--- a/doc/presentation.pptx
+++ b/doc/presentation.pptx
@@ -5,7 +5,7 @@
     <p:sldMasterId id="2147483673" r:id="rId1"/>
   </p:sldMasterIdLst>
   <p:notesMasterIdLst>
-    <p:notesMasterId r:id="rId19"/>
+    <p:notesMasterId r:id="rId18"/>
   </p:notesMasterIdLst>
   <p:sldIdLst>
     <p:sldId id="256" r:id="rId2"/>
@@ -18,48 +18,47 @@
     <p:sldId id="317" r:id="rId9"/>
     <p:sldId id="320" r:id="rId10"/>
     <p:sldId id="323" r:id="rId11"/>
-    <p:sldId id="325" r:id="rId12"/>
-    <p:sldId id="326" r:id="rId13"/>
-    <p:sldId id="321" r:id="rId14"/>
-    <p:sldId id="322" r:id="rId15"/>
-    <p:sldId id="267" r:id="rId16"/>
-    <p:sldId id="327" r:id="rId17"/>
-    <p:sldId id="277" r:id="rId18"/>
+    <p:sldId id="326" r:id="rId12"/>
+    <p:sldId id="321" r:id="rId13"/>
+    <p:sldId id="322" r:id="rId14"/>
+    <p:sldId id="267" r:id="rId15"/>
+    <p:sldId id="327" r:id="rId16"/>
+    <p:sldId id="277" r:id="rId17"/>
   </p:sldIdLst>
   <p:sldSz cx="9144000" cy="5143500" type="screen16x9"/>
   <p:notesSz cx="6858000" cy="9144000"/>
   <p:embeddedFontLst>
     <p:embeddedFont>
       <p:font typeface="Exo 2" panose="020B0604020202020204" charset="0"/>
-      <p:regular r:id="rId20"/>
-      <p:bold r:id="rId21"/>
-      <p:italic r:id="rId22"/>
-      <p:boldItalic r:id="rId23"/>
+      <p:regular r:id="rId19"/>
+      <p:bold r:id="rId20"/>
+      <p:italic r:id="rId21"/>
+      <p:boldItalic r:id="rId22"/>
     </p:embeddedFont>
     <p:embeddedFont>
       <p:font typeface="Fira Sans Extra Condensed Medium" panose="020B0604020202020204" charset="0"/>
-      <p:regular r:id="rId24"/>
-      <p:bold r:id="rId25"/>
-      <p:italic r:id="rId26"/>
-      <p:boldItalic r:id="rId27"/>
+      <p:regular r:id="rId23"/>
+      <p:bold r:id="rId24"/>
+      <p:italic r:id="rId25"/>
+      <p:boldItalic r:id="rId26"/>
     </p:embeddedFont>
     <p:embeddedFont>
       <p:font typeface="Roboto Condensed" panose="020B0604020202020204" charset="0"/>
-      <p:regular r:id="rId28"/>
-      <p:bold r:id="rId29"/>
-      <p:italic r:id="rId30"/>
-      <p:boldItalic r:id="rId31"/>
+      <p:regular r:id="rId27"/>
+      <p:bold r:id="rId28"/>
+      <p:italic r:id="rId29"/>
+      <p:boldItalic r:id="rId30"/>
     </p:embeddedFont>
     <p:embeddedFont>
       <p:font typeface="Roboto Condensed Light" panose="020B0604020202020204" charset="0"/>
-      <p:regular r:id="rId32"/>
-      <p:bold r:id="rId33"/>
-      <p:italic r:id="rId34"/>
-      <p:boldItalic r:id="rId35"/>
+      <p:regular r:id="rId31"/>
+      <p:bold r:id="rId32"/>
+      <p:italic r:id="rId33"/>
+      <p:boldItalic r:id="rId34"/>
     </p:embeddedFont>
     <p:embeddedFont>
       <p:font typeface="Squada One" panose="020B0604020202020204" charset="0"/>
-      <p:regular r:id="rId36"/>
+      <p:regular r:id="rId35"/>
     </p:embeddedFont>
   </p:embeddedFontLst>
   <p:defaultTextStyle>
@@ -306,7 +305,6 @@
             <p14:sldId id="317"/>
             <p14:sldId id="320"/>
             <p14:sldId id="323"/>
-            <p14:sldId id="325"/>
             <p14:sldId id="326"/>
             <p14:sldId id="321"/>
             <p14:sldId id="322"/>
@@ -997,7 +995,7 @@
     </p:spTree>
     <p:extLst>
       <p:ext uri="{BB962C8B-B14F-4D97-AF65-F5344CB8AC3E}">
-        <p14:creationId xmlns:p14="http://schemas.microsoft.com/office/powerpoint/2010/main" val="236658448"/>
+        <p14:creationId xmlns:p14="http://schemas.microsoft.com/office/powerpoint/2010/main" val="1292323672"/>
       </p:ext>
     </p:extLst>
   </p:cSld>
@@ -1066,7 +1064,7 @@
     </p:spTree>
     <p:extLst>
       <p:ext uri="{BB962C8B-B14F-4D97-AF65-F5344CB8AC3E}">
-        <p14:creationId xmlns:p14="http://schemas.microsoft.com/office/powerpoint/2010/main" val="1292323672"/>
+        <p14:creationId xmlns:p14="http://schemas.microsoft.com/office/powerpoint/2010/main" val="3480565386"/>
       </p:ext>
     </p:extLst>
   </p:cSld>
@@ -1135,7 +1133,7 @@
     </p:spTree>
     <p:extLst>
       <p:ext uri="{BB962C8B-B14F-4D97-AF65-F5344CB8AC3E}">
-        <p14:creationId xmlns:p14="http://schemas.microsoft.com/office/powerpoint/2010/main" val="3480565386"/>
+        <p14:creationId xmlns:p14="http://schemas.microsoft.com/office/powerpoint/2010/main" val="3837641495"/>
       </p:ext>
     </p:extLst>
   </p:cSld>
@@ -1146,75 +1144,6 @@
 </file>
 
 <file path=ppt/notesSlides/notesSlide14.xml><?xml version="1.0" encoding="utf-8"?>
-<p:notes xmlns:a="http://schemas.openxmlformats.org/drawingml/2006/main" xmlns:r="http://schemas.openxmlformats.org/officeDocument/2006/relationships" xmlns:p="http://schemas.openxmlformats.org/presentationml/2006/main">
-  <p:cSld>
-    <p:spTree>
-      <p:nvGrpSpPr>
-        <p:cNvPr id="1" name=""/>
-        <p:cNvGrpSpPr/>
-        <p:nvPr/>
-      </p:nvGrpSpPr>
-      <p:grpSpPr>
-        <a:xfrm>
-          <a:off x="0" y="0"/>
-          <a:ext cx="0" cy="0"/>
-          <a:chOff x="0" y="0"/>
-          <a:chExt cx="0" cy="0"/>
-        </a:xfrm>
-      </p:grpSpPr>
-      <p:sp>
-        <p:nvSpPr>
-          <p:cNvPr id="2" name="Slide Image Placeholder 1"/>
-          <p:cNvSpPr>
-            <a:spLocks noGrp="1" noRot="1" noChangeAspect="1"/>
-          </p:cNvSpPr>
-          <p:nvPr>
-            <p:ph type="sldImg"/>
-          </p:nvPr>
-        </p:nvSpPr>
-        <p:spPr>
-          <a:xfrm>
-            <a:off x="381000" y="685800"/>
-            <a:ext cx="6096000" cy="3429000"/>
-          </a:xfrm>
-        </p:spPr>
-      </p:sp>
-      <p:sp>
-        <p:nvSpPr>
-          <p:cNvPr id="3" name="Notes Placeholder 2"/>
-          <p:cNvSpPr>
-            <a:spLocks noGrp="1"/>
-          </p:cNvSpPr>
-          <p:nvPr>
-            <p:ph type="body" idx="1"/>
-          </p:nvPr>
-        </p:nvSpPr>
-        <p:spPr/>
-        <p:txBody>
-          <a:bodyPr/>
-          <a:lstStyle/>
-          <a:p>
-            <a:pPr marL="158750" indent="0">
-              <a:buNone/>
-            </a:pPr>
-            <a:endParaRPr lang="en-US" dirty="0"/>
-          </a:p>
-        </p:txBody>
-      </p:sp>
-    </p:spTree>
-    <p:extLst>
-      <p:ext uri="{BB962C8B-B14F-4D97-AF65-F5344CB8AC3E}">
-        <p14:creationId xmlns:p14="http://schemas.microsoft.com/office/powerpoint/2010/main" val="3837641495"/>
-      </p:ext>
-    </p:extLst>
-  </p:cSld>
-  <p:clrMapOvr>
-    <a:masterClrMapping/>
-  </p:clrMapOvr>
-</p:notes>
-</file>
-
-<file path=ppt/notesSlides/notesSlide15.xml><?xml version="1.0" encoding="utf-8"?>
 <p:notes xmlns:a="http://schemas.openxmlformats.org/drawingml/2006/main" xmlns:r="http://schemas.openxmlformats.org/officeDocument/2006/relationships" xmlns:p="http://schemas.openxmlformats.org/presentationml/2006/main" showMasterSp="0" showMasterPhAnim="0">
   <p:cSld>
     <p:spTree>
@@ -1321,7 +1250,7 @@
 </p:notes>
 </file>
 
-<file path=ppt/notesSlides/notesSlide16.xml><?xml version="1.0" encoding="utf-8"?>
+<file path=ppt/notesSlides/notesSlide15.xml><?xml version="1.0" encoding="utf-8"?>
 <p:notes xmlns:a="http://schemas.openxmlformats.org/drawingml/2006/main" xmlns:r="http://schemas.openxmlformats.org/officeDocument/2006/relationships" xmlns:p="http://schemas.openxmlformats.org/presentationml/2006/main">
   <p:cSld>
     <p:spTree>
@@ -1391,7 +1320,7 @@
 </p:notes>
 </file>
 
-<file path=ppt/notesSlides/notesSlide17.xml><?xml version="1.0" encoding="utf-8"?>
+<file path=ppt/notesSlides/notesSlide16.xml><?xml version="1.0" encoding="utf-8"?>
 <p:notes xmlns:a="http://schemas.openxmlformats.org/drawingml/2006/main" xmlns:r="http://schemas.openxmlformats.org/officeDocument/2006/relationships" xmlns:p="http://schemas.openxmlformats.org/presentationml/2006/main" showMasterSp="0" showMasterPhAnim="0">
   <p:cSld>
     <p:spTree>
@@ -10876,653 +10805,6 @@
                 <a:ea typeface="Roboto Condensed" panose="020B0604020202020204" charset="0"/>
                 <a:sym typeface="Exo 2"/>
               </a:rPr>
-              <a:t>LDA</a:t>
-            </a:r>
-            <a:endParaRPr kumimoji="0" lang="en-US" sz="2400" i="0" u="none" strike="noStrike" kern="0" cap="none" spc="0" normalizeH="0" baseline="0" noProof="0" dirty="0">
-              <a:ln>
-                <a:noFill/>
-              </a:ln>
-              <a:solidFill>
-                <a:srgbClr val="000000"/>
-              </a:solidFill>
-              <a:effectLst/>
-              <a:uLnTx/>
-              <a:uFillTx/>
-              <a:latin typeface="Roboto Condensed" panose="020B0604020202020204" charset="0"/>
-              <a:ea typeface="Roboto Condensed" panose="020B0604020202020204" charset="0"/>
-              <a:sym typeface="Exo 2"/>
-            </a:endParaRPr>
-          </a:p>
-        </p:txBody>
-      </p:sp>
-      <p:graphicFrame>
-        <p:nvGraphicFramePr>
-          <p:cNvPr id="2" name="Table 2">
-            <a:extLst>
-              <a:ext uri="{FF2B5EF4-FFF2-40B4-BE49-F238E27FC236}">
-                <a16:creationId xmlns:a16="http://schemas.microsoft.com/office/drawing/2014/main" id="{92DE7532-B04C-4259-9DDA-B366BB4BC5BB}"/>
-              </a:ext>
-            </a:extLst>
-          </p:cNvPr>
-          <p:cNvGraphicFramePr>
-            <a:graphicFrameLocks noGrp="1"/>
-          </p:cNvGraphicFramePr>
-          <p:nvPr>
-            <p:extLst>
-              <p:ext uri="{D42A27DB-BD31-4B8C-83A1-F6EECF244321}">
-                <p14:modId xmlns:p14="http://schemas.microsoft.com/office/powerpoint/2010/main" val="2296815128"/>
-              </p:ext>
-            </p:extLst>
-          </p:nvPr>
-        </p:nvGraphicFramePr>
-        <p:xfrm>
-          <a:off x="1744688" y="1035241"/>
-          <a:ext cx="5002204" cy="889000"/>
-        </p:xfrm>
-        <a:graphic>
-          <a:graphicData uri="http://schemas.openxmlformats.org/drawingml/2006/table">
-            <a:tbl>
-              <a:tblPr firstRow="1" bandRow="1">
-                <a:tableStyleId>{A2ADBCF7-ED1B-4D6C-A6D6-044A955FABA4}</a:tableStyleId>
-              </a:tblPr>
-              <a:tblGrid>
-                <a:gridCol w="1250551">
-                  <a:extLst>
-                    <a:ext uri="{9D8B030D-6E8A-4147-A177-3AD203B41FA5}">
-                      <a16:colId xmlns:a16="http://schemas.microsoft.com/office/drawing/2014/main" val="2118846792"/>
-                    </a:ext>
-                  </a:extLst>
-                </a:gridCol>
-                <a:gridCol w="1250551">
-                  <a:extLst>
-                    <a:ext uri="{9D8B030D-6E8A-4147-A177-3AD203B41FA5}">
-                      <a16:colId xmlns:a16="http://schemas.microsoft.com/office/drawing/2014/main" val="2718068939"/>
-                    </a:ext>
-                  </a:extLst>
-                </a:gridCol>
-                <a:gridCol w="1250551">
-                  <a:extLst>
-                    <a:ext uri="{9D8B030D-6E8A-4147-A177-3AD203B41FA5}">
-                      <a16:colId xmlns:a16="http://schemas.microsoft.com/office/drawing/2014/main" val="1041415227"/>
-                    </a:ext>
-                  </a:extLst>
-                </a:gridCol>
-                <a:gridCol w="1250551">
-                  <a:extLst>
-                    <a:ext uri="{9D8B030D-6E8A-4147-A177-3AD203B41FA5}">
-                      <a16:colId xmlns:a16="http://schemas.microsoft.com/office/drawing/2014/main" val="848351934"/>
-                    </a:ext>
-                  </a:extLst>
-                </a:gridCol>
-              </a:tblGrid>
-              <a:tr h="370840">
-                <a:tc>
-                  <a:txBody>
-                    <a:bodyPr/>
-                    <a:lstStyle/>
-                    <a:p>
-                      <a:pPr algn="ctr"/>
-                      <a:r>
-                        <a:rPr lang="en-US" dirty="0">
-                          <a:latin typeface="Roboto Condensed" panose="020B0604020202020204" charset="0"/>
-                          <a:ea typeface="Roboto Condensed" panose="020B0604020202020204" charset="0"/>
-                        </a:rPr>
-                        <a:t>Accuracy</a:t>
-                      </a:r>
-                    </a:p>
-                  </a:txBody>
-                  <a:tcPr anchor="ctr"/>
-                </a:tc>
-                <a:tc>
-                  <a:txBody>
-                    <a:bodyPr/>
-                    <a:lstStyle/>
-                    <a:p>
-                      <a:pPr algn="ctr"/>
-                      <a:r>
-                        <a:rPr lang="en-US" dirty="0">
-                          <a:latin typeface="Roboto Condensed" panose="020B0604020202020204" charset="0"/>
-                          <a:ea typeface="Roboto Condensed" panose="020B0604020202020204" charset="0"/>
-                        </a:rPr>
-                        <a:t>Weighted Accuracy</a:t>
-                      </a:r>
-                    </a:p>
-                  </a:txBody>
-                  <a:tcPr anchor="ctr"/>
-                </a:tc>
-                <a:tc>
-                  <a:txBody>
-                    <a:bodyPr/>
-                    <a:lstStyle/>
-                    <a:p>
-                      <a:pPr algn="ctr"/>
-                      <a:r>
-                        <a:rPr lang="en-US" dirty="0">
-                          <a:latin typeface="Roboto Condensed" panose="020B0604020202020204" charset="0"/>
-                          <a:ea typeface="Roboto Condensed" panose="020B0604020202020204" charset="0"/>
-                        </a:rPr>
-                        <a:t>AUC</a:t>
-                      </a:r>
-                    </a:p>
-                  </a:txBody>
-                  <a:tcPr anchor="ctr"/>
-                </a:tc>
-                <a:tc>
-                  <a:txBody>
-                    <a:bodyPr/>
-                    <a:lstStyle/>
-                    <a:p>
-                      <a:pPr algn="ctr"/>
-                      <a:r>
-                        <a:rPr lang="en-US" dirty="0">
-                          <a:latin typeface="Roboto Condensed" panose="020B0604020202020204" charset="0"/>
-                          <a:ea typeface="Roboto Condensed" panose="020B0604020202020204" charset="0"/>
-                        </a:rPr>
-                        <a:t>Run Time</a:t>
-                      </a:r>
-                    </a:p>
-                  </a:txBody>
-                  <a:tcPr anchor="ctr"/>
-                </a:tc>
-                <a:extLst>
-                  <a:ext uri="{0D108BD9-81ED-4DB2-BD59-A6C34878D82A}">
-                    <a16:rowId xmlns:a16="http://schemas.microsoft.com/office/drawing/2014/main" val="2589137508"/>
-                  </a:ext>
-                </a:extLst>
-              </a:tr>
-              <a:tr h="370840">
-                <a:tc>
-                  <a:txBody>
-                    <a:bodyPr/>
-                    <a:lstStyle/>
-                    <a:p>
-                      <a:pPr algn="ctr" fontAlgn="ctr"/>
-                      <a:r>
-                        <a:rPr lang="en-US">
-                          <a:effectLst/>
-                          <a:latin typeface="Roboto Condensed" panose="020B0604020202020204" charset="0"/>
-                          <a:ea typeface="Roboto Condensed" panose="020B0604020202020204" charset="0"/>
-                        </a:rPr>
-                        <a:t>0.70</a:t>
-                      </a:r>
-                    </a:p>
-                  </a:txBody>
-                  <a:tcPr marL="25400" marR="25400" marT="25400" marB="25400" anchor="ctr"/>
-                </a:tc>
-                <a:tc>
-                  <a:txBody>
-                    <a:bodyPr/>
-                    <a:lstStyle/>
-                    <a:p>
-                      <a:pPr algn="ctr" fontAlgn="ctr"/>
-                      <a:r>
-                        <a:rPr lang="en-US" dirty="0">
-                          <a:effectLst/>
-                          <a:latin typeface="Roboto Condensed" panose="020B0604020202020204" charset="0"/>
-                          <a:ea typeface="Roboto Condensed" panose="020B0604020202020204" charset="0"/>
-                        </a:rPr>
-                        <a:t>0.53</a:t>
-                      </a:r>
-                    </a:p>
-                  </a:txBody>
-                  <a:tcPr marL="25400" marR="25400" marT="25400" marB="25400" anchor="ctr"/>
-                </a:tc>
-                <a:tc>
-                  <a:txBody>
-                    <a:bodyPr/>
-                    <a:lstStyle/>
-                    <a:p>
-                      <a:pPr algn="ctr" fontAlgn="ctr"/>
-                      <a:r>
-                        <a:rPr lang="en-US">
-                          <a:effectLst/>
-                          <a:latin typeface="Roboto Condensed" panose="020B0604020202020204" charset="0"/>
-                          <a:ea typeface="Roboto Condensed" panose="020B0604020202020204" charset="0"/>
-                        </a:rPr>
-                        <a:t>0.68</a:t>
-                      </a:r>
-                    </a:p>
-                  </a:txBody>
-                  <a:tcPr marL="25400" marR="25400" marT="25400" marB="25400" anchor="ctr"/>
-                </a:tc>
-                <a:tc>
-                  <a:txBody>
-                    <a:bodyPr/>
-                    <a:lstStyle/>
-                    <a:p>
-                      <a:pPr algn="ctr" fontAlgn="ctr"/>
-                      <a:r>
-                        <a:rPr lang="en-US" dirty="0">
-                          <a:effectLst/>
-                          <a:latin typeface="Roboto Condensed" panose="020B0604020202020204" charset="0"/>
-                          <a:ea typeface="Roboto Condensed" panose="020B0604020202020204" charset="0"/>
-                        </a:rPr>
-                        <a:t>20.34 s</a:t>
-                      </a:r>
-                    </a:p>
-                  </a:txBody>
-                  <a:tcPr marL="25400" marR="25400" marT="25400" marB="25400" anchor="ctr"/>
-                </a:tc>
-                <a:extLst>
-                  <a:ext uri="{0D108BD9-81ED-4DB2-BD59-A6C34878D82A}">
-                    <a16:rowId xmlns:a16="http://schemas.microsoft.com/office/drawing/2014/main" val="3223966044"/>
-                  </a:ext>
-                </a:extLst>
-              </a:tr>
-            </a:tbl>
-          </a:graphicData>
-        </a:graphic>
-      </p:graphicFrame>
-    </p:spTree>
-    <p:extLst>
-      <p:ext uri="{BB962C8B-B14F-4D97-AF65-F5344CB8AC3E}">
-        <p14:creationId xmlns:p14="http://schemas.microsoft.com/office/powerpoint/2010/main" val="128688959"/>
-      </p:ext>
-    </p:extLst>
-  </p:cSld>
-  <p:clrMapOvr>
-    <a:masterClrMapping/>
-  </p:clrMapOvr>
-</p:sld>
-</file>
-
-<file path=ppt/slides/slide12.xml><?xml version="1.0" encoding="utf-8"?>
-<p:sld xmlns:a="http://schemas.openxmlformats.org/drawingml/2006/main" xmlns:r="http://schemas.openxmlformats.org/officeDocument/2006/relationships" xmlns:p="http://schemas.openxmlformats.org/presentationml/2006/main">
-  <p:cSld>
-    <p:spTree>
-      <p:nvGrpSpPr>
-        <p:cNvPr id="1" name=""/>
-        <p:cNvGrpSpPr/>
-        <p:nvPr/>
-      </p:nvGrpSpPr>
-      <p:grpSpPr>
-        <a:xfrm>
-          <a:off x="0" y="0"/>
-          <a:ext cx="0" cy="0"/>
-          <a:chOff x="0" y="0"/>
-          <a:chExt cx="0" cy="0"/>
-        </a:xfrm>
-      </p:grpSpPr>
-      <p:sp>
-        <p:nvSpPr>
-          <p:cNvPr id="13" name="TextBox 12">
-            <a:extLst>
-              <a:ext uri="{FF2B5EF4-FFF2-40B4-BE49-F238E27FC236}">
-                <a16:creationId xmlns:a16="http://schemas.microsoft.com/office/drawing/2014/main" id="{A32B1320-CD8C-4B95-8F15-53F57C4FE4E6}"/>
-              </a:ext>
-            </a:extLst>
-          </p:cNvPr>
-          <p:cNvSpPr txBox="1"/>
-          <p:nvPr/>
-        </p:nvSpPr>
-        <p:spPr>
-          <a:xfrm>
-            <a:off x="5175061" y="4725681"/>
-            <a:ext cx="184731" cy="276999"/>
-          </a:xfrm>
-          <a:prstGeom prst="rect">
-            <a:avLst/>
-          </a:prstGeom>
-          <a:noFill/>
-        </p:spPr>
-        <p:txBody>
-          <a:bodyPr wrap="none" rtlCol="0">
-            <a:spAutoFit/>
-          </a:bodyPr>
-          <a:lstStyle/>
-          <a:p>
-            <a:pPr marL="0" marR="0" lvl="0" indent="0" algn="l" defTabSz="914400" rtl="0" eaLnBrk="1" fontAlgn="auto" latinLnBrk="0" hangingPunct="1">
-              <a:lnSpc>
-                <a:spcPct val="100000"/>
-              </a:lnSpc>
-              <a:spcBef>
-                <a:spcPts val="0"/>
-              </a:spcBef>
-              <a:spcAft>
-                <a:spcPts val="0"/>
-              </a:spcAft>
-              <a:buClr>
-                <a:srgbClr val="000000"/>
-              </a:buClr>
-              <a:buSzTx/>
-              <a:buFont typeface="Arial"/>
-              <a:buNone/>
-              <a:tabLst/>
-              <a:defRPr/>
-            </a:pPr>
-            <a:endParaRPr kumimoji="0" lang="es-ES" sz="1200" b="0" i="0" u="none" strike="noStrike" kern="0" cap="none" spc="0" normalizeH="0" baseline="0" noProof="0" dirty="0">
-              <a:ln>
-                <a:noFill/>
-              </a:ln>
-              <a:solidFill>
-                <a:srgbClr val="434343">
-                  <a:lumMod val="60000"/>
-                  <a:lumOff val="40000"/>
-                </a:srgbClr>
-              </a:solidFill>
-              <a:effectLst/>
-              <a:uLnTx/>
-              <a:uFillTx/>
-              <a:latin typeface="Roboto Condensed" panose="020B0604020202020204" charset="0"/>
-              <a:ea typeface="Roboto Condensed" panose="020B0604020202020204" charset="0"/>
-              <a:cs typeface="Arial"/>
-              <a:sym typeface="Arial"/>
-            </a:endParaRPr>
-          </a:p>
-        </p:txBody>
-      </p:sp>
-      <p:sp>
-        <p:nvSpPr>
-          <p:cNvPr id="16" name="Title 1">
-            <a:extLst>
-              <a:ext uri="{FF2B5EF4-FFF2-40B4-BE49-F238E27FC236}">
-                <a16:creationId xmlns:a16="http://schemas.microsoft.com/office/drawing/2014/main" id="{15D2315E-099E-4C11-BAD2-1568AA7F807B}"/>
-              </a:ext>
-            </a:extLst>
-          </p:cNvPr>
-          <p:cNvSpPr txBox="1">
-            <a:spLocks/>
-          </p:cNvSpPr>
-          <p:nvPr/>
-        </p:nvSpPr>
-        <p:spPr>
-          <a:xfrm>
-            <a:off x="390585" y="136940"/>
-            <a:ext cx="7710410" cy="551037"/>
-          </a:xfrm>
-          <a:prstGeom prst="rect">
-            <a:avLst/>
-          </a:prstGeom>
-          <a:noFill/>
-          <a:ln>
-            <a:noFill/>
-          </a:ln>
-        </p:spPr>
-        <p:txBody>
-          <a:bodyPr spcFirstLastPara="1" wrap="square" lIns="91425" tIns="91425" rIns="91425" bIns="91425" anchor="t" anchorCtr="0">
-            <a:noAutofit/>
-          </a:bodyPr>
-          <a:lstStyle>
-            <a:defPPr marR="0" lvl="0" algn="l" rtl="0">
-              <a:lnSpc>
-                <a:spcPct val="100000"/>
-              </a:lnSpc>
-              <a:spcBef>
-                <a:spcPts val="0"/>
-              </a:spcBef>
-              <a:spcAft>
-                <a:spcPts val="0"/>
-              </a:spcAft>
-            </a:defPPr>
-            <a:lvl1pPr marR="0" lvl="0" algn="ctr" rtl="0">
-              <a:lnSpc>
-                <a:spcPct val="100000"/>
-              </a:lnSpc>
-              <a:spcBef>
-                <a:spcPts val="0"/>
-              </a:spcBef>
-              <a:spcAft>
-                <a:spcPts val="0"/>
-              </a:spcAft>
-              <a:buClr>
-                <a:schemeClr val="dk1"/>
-              </a:buClr>
-              <a:buSzPts val="2400"/>
-              <a:buFont typeface="Exo 2"/>
-              <a:buNone/>
-              <a:defRPr sz="2400" b="1" i="0" u="none" strike="noStrike" cap="none">
-                <a:solidFill>
-                  <a:schemeClr val="dk1"/>
-                </a:solidFill>
-                <a:latin typeface="Exo 2"/>
-                <a:ea typeface="Exo 2"/>
-                <a:cs typeface="Exo 2"/>
-                <a:sym typeface="Exo 2"/>
-              </a:defRPr>
-            </a:lvl1pPr>
-            <a:lvl2pPr marR="0" lvl="1" algn="r" rtl="0">
-              <a:lnSpc>
-                <a:spcPct val="100000"/>
-              </a:lnSpc>
-              <a:spcBef>
-                <a:spcPts val="0"/>
-              </a:spcBef>
-              <a:spcAft>
-                <a:spcPts val="0"/>
-              </a:spcAft>
-              <a:buClr>
-                <a:schemeClr val="dk1"/>
-              </a:buClr>
-              <a:buSzPts val="2400"/>
-              <a:buFont typeface="Squada One"/>
-              <a:buNone/>
-              <a:defRPr sz="2400" b="0" i="0" u="none" strike="noStrike" cap="none">
-                <a:solidFill>
-                  <a:schemeClr val="dk1"/>
-                </a:solidFill>
-                <a:latin typeface="Squada One"/>
-                <a:ea typeface="Squada One"/>
-                <a:cs typeface="Squada One"/>
-                <a:sym typeface="Squada One"/>
-              </a:defRPr>
-            </a:lvl2pPr>
-            <a:lvl3pPr marR="0" lvl="2" algn="r" rtl="0">
-              <a:lnSpc>
-                <a:spcPct val="100000"/>
-              </a:lnSpc>
-              <a:spcBef>
-                <a:spcPts val="0"/>
-              </a:spcBef>
-              <a:spcAft>
-                <a:spcPts val="0"/>
-              </a:spcAft>
-              <a:buClr>
-                <a:schemeClr val="dk1"/>
-              </a:buClr>
-              <a:buSzPts val="2400"/>
-              <a:buFont typeface="Squada One"/>
-              <a:buNone/>
-              <a:defRPr sz="2400" b="0" i="0" u="none" strike="noStrike" cap="none">
-                <a:solidFill>
-                  <a:schemeClr val="dk1"/>
-                </a:solidFill>
-                <a:latin typeface="Squada One"/>
-                <a:ea typeface="Squada One"/>
-                <a:cs typeface="Squada One"/>
-                <a:sym typeface="Squada One"/>
-              </a:defRPr>
-            </a:lvl3pPr>
-            <a:lvl4pPr marR="0" lvl="3" algn="r" rtl="0">
-              <a:lnSpc>
-                <a:spcPct val="100000"/>
-              </a:lnSpc>
-              <a:spcBef>
-                <a:spcPts val="0"/>
-              </a:spcBef>
-              <a:spcAft>
-                <a:spcPts val="0"/>
-              </a:spcAft>
-              <a:buClr>
-                <a:schemeClr val="dk1"/>
-              </a:buClr>
-              <a:buSzPts val="2400"/>
-              <a:buFont typeface="Squada One"/>
-              <a:buNone/>
-              <a:defRPr sz="2400" b="0" i="0" u="none" strike="noStrike" cap="none">
-                <a:solidFill>
-                  <a:schemeClr val="dk1"/>
-                </a:solidFill>
-                <a:latin typeface="Squada One"/>
-                <a:ea typeface="Squada One"/>
-                <a:cs typeface="Squada One"/>
-                <a:sym typeface="Squada One"/>
-              </a:defRPr>
-            </a:lvl4pPr>
-            <a:lvl5pPr marR="0" lvl="4" algn="r" rtl="0">
-              <a:lnSpc>
-                <a:spcPct val="100000"/>
-              </a:lnSpc>
-              <a:spcBef>
-                <a:spcPts val="0"/>
-              </a:spcBef>
-              <a:spcAft>
-                <a:spcPts val="0"/>
-              </a:spcAft>
-              <a:buClr>
-                <a:schemeClr val="dk1"/>
-              </a:buClr>
-              <a:buSzPts val="2400"/>
-              <a:buFont typeface="Squada One"/>
-              <a:buNone/>
-              <a:defRPr sz="2400" b="0" i="0" u="none" strike="noStrike" cap="none">
-                <a:solidFill>
-                  <a:schemeClr val="dk1"/>
-                </a:solidFill>
-                <a:latin typeface="Squada One"/>
-                <a:ea typeface="Squada One"/>
-                <a:cs typeface="Squada One"/>
-                <a:sym typeface="Squada One"/>
-              </a:defRPr>
-            </a:lvl5pPr>
-            <a:lvl6pPr marR="0" lvl="5" algn="r" rtl="0">
-              <a:lnSpc>
-                <a:spcPct val="100000"/>
-              </a:lnSpc>
-              <a:spcBef>
-                <a:spcPts val="0"/>
-              </a:spcBef>
-              <a:spcAft>
-                <a:spcPts val="0"/>
-              </a:spcAft>
-              <a:buClr>
-                <a:schemeClr val="dk1"/>
-              </a:buClr>
-              <a:buSzPts val="2400"/>
-              <a:buFont typeface="Squada One"/>
-              <a:buNone/>
-              <a:defRPr sz="2400" b="0" i="0" u="none" strike="noStrike" cap="none">
-                <a:solidFill>
-                  <a:schemeClr val="dk1"/>
-                </a:solidFill>
-                <a:latin typeface="Squada One"/>
-                <a:ea typeface="Squada One"/>
-                <a:cs typeface="Squada One"/>
-                <a:sym typeface="Squada One"/>
-              </a:defRPr>
-            </a:lvl6pPr>
-            <a:lvl7pPr marR="0" lvl="6" algn="r" rtl="0">
-              <a:lnSpc>
-                <a:spcPct val="100000"/>
-              </a:lnSpc>
-              <a:spcBef>
-                <a:spcPts val="0"/>
-              </a:spcBef>
-              <a:spcAft>
-                <a:spcPts val="0"/>
-              </a:spcAft>
-              <a:buClr>
-                <a:schemeClr val="dk1"/>
-              </a:buClr>
-              <a:buSzPts val="2400"/>
-              <a:buFont typeface="Squada One"/>
-              <a:buNone/>
-              <a:defRPr sz="2400" b="0" i="0" u="none" strike="noStrike" cap="none">
-                <a:solidFill>
-                  <a:schemeClr val="dk1"/>
-                </a:solidFill>
-                <a:latin typeface="Squada One"/>
-                <a:ea typeface="Squada One"/>
-                <a:cs typeface="Squada One"/>
-                <a:sym typeface="Squada One"/>
-              </a:defRPr>
-            </a:lvl7pPr>
-            <a:lvl8pPr marR="0" lvl="7" algn="r" rtl="0">
-              <a:lnSpc>
-                <a:spcPct val="100000"/>
-              </a:lnSpc>
-              <a:spcBef>
-                <a:spcPts val="0"/>
-              </a:spcBef>
-              <a:spcAft>
-                <a:spcPts val="0"/>
-              </a:spcAft>
-              <a:buClr>
-                <a:schemeClr val="dk1"/>
-              </a:buClr>
-              <a:buSzPts val="2400"/>
-              <a:buFont typeface="Squada One"/>
-              <a:buNone/>
-              <a:defRPr sz="2400" b="0" i="0" u="none" strike="noStrike" cap="none">
-                <a:solidFill>
-                  <a:schemeClr val="dk1"/>
-                </a:solidFill>
-                <a:latin typeface="Squada One"/>
-                <a:ea typeface="Squada One"/>
-                <a:cs typeface="Squada One"/>
-                <a:sym typeface="Squada One"/>
-              </a:defRPr>
-            </a:lvl8pPr>
-            <a:lvl9pPr marR="0" lvl="8" algn="r" rtl="0">
-              <a:lnSpc>
-                <a:spcPct val="100000"/>
-              </a:lnSpc>
-              <a:spcBef>
-                <a:spcPts val="0"/>
-              </a:spcBef>
-              <a:spcAft>
-                <a:spcPts val="0"/>
-              </a:spcAft>
-              <a:buClr>
-                <a:schemeClr val="dk1"/>
-              </a:buClr>
-              <a:buSzPts val="2400"/>
-              <a:buFont typeface="Squada One"/>
-              <a:buNone/>
-              <a:defRPr sz="2400" b="0" i="0" u="none" strike="noStrike" cap="none">
-                <a:solidFill>
-                  <a:schemeClr val="dk1"/>
-                </a:solidFill>
-                <a:latin typeface="Squada One"/>
-                <a:ea typeface="Squada One"/>
-                <a:cs typeface="Squada One"/>
-                <a:sym typeface="Squada One"/>
-              </a:defRPr>
-            </a:lvl9pPr>
-          </a:lstStyle>
-          <a:p>
-            <a:pPr marL="0" marR="0" lvl="0" indent="0" algn="l" defTabSz="914400" rtl="0" eaLnBrk="1" fontAlgn="auto" latinLnBrk="0" hangingPunct="1">
-              <a:lnSpc>
-                <a:spcPct val="100000"/>
-              </a:lnSpc>
-              <a:spcBef>
-                <a:spcPts val="0"/>
-              </a:spcBef>
-              <a:spcAft>
-                <a:spcPts val="0"/>
-              </a:spcAft>
-              <a:buClr>
-                <a:srgbClr val="434343"/>
-              </a:buClr>
-              <a:buSzPts val="2400"/>
-              <a:buFont typeface="Exo 2"/>
-              <a:buNone/>
-              <a:tabLst/>
-              <a:defRPr/>
-            </a:pPr>
-            <a:r>
-              <a:rPr kumimoji="0" lang="en-US" sz="2400" u="none" strike="noStrike" kern="0" cap="none" spc="0" normalizeH="0" baseline="0" noProof="0" dirty="0">
-                <a:ln>
-                  <a:noFill/>
-                </a:ln>
-                <a:solidFill>
-                  <a:srgbClr val="000000"/>
-                </a:solidFill>
-                <a:uLnTx/>
-                <a:uFillTx/>
-                <a:latin typeface="Roboto Condensed" panose="020B0604020202020204" charset="0"/>
-                <a:ea typeface="Roboto Condensed" panose="020B0604020202020204" charset="0"/>
-                <a:sym typeface="Exo 2"/>
-              </a:rPr>
               <a:t>LDA with PCA</a:t>
             </a:r>
             <a:endParaRPr kumimoji="0" lang="en-US" sz="2400" i="0" u="none" strike="noStrike" kern="0" cap="none" spc="0" normalizeH="0" baseline="0" noProof="0" dirty="0">
@@ -11888,7 +11170,7 @@
 </p:sld>
 </file>
 
-<file path=ppt/slides/slide13.xml><?xml version="1.0" encoding="utf-8"?>
+<file path=ppt/slides/slide12.xml><?xml version="1.0" encoding="utf-8"?>
 <p:sld xmlns:a="http://schemas.openxmlformats.org/drawingml/2006/main" xmlns:r="http://schemas.openxmlformats.org/officeDocument/2006/relationships" xmlns:p="http://schemas.openxmlformats.org/presentationml/2006/main">
   <p:cSld>
     <p:spTree>
@@ -12655,7 +11937,7 @@
 </p:sld>
 </file>
 
-<file path=ppt/slides/slide14.xml><?xml version="1.0" encoding="utf-8"?>
+<file path=ppt/slides/slide13.xml><?xml version="1.0" encoding="utf-8"?>
 <p:sld xmlns:a="http://schemas.openxmlformats.org/drawingml/2006/main" xmlns:r="http://schemas.openxmlformats.org/officeDocument/2006/relationships" xmlns:p="http://schemas.openxmlformats.org/presentationml/2006/main">
   <p:cSld>
     <p:spTree>
@@ -13440,7 +12722,7 @@
 </p:sld>
 </file>
 
-<file path=ppt/slides/slide15.xml><?xml version="1.0" encoding="utf-8"?>
+<file path=ppt/slides/slide14.xml><?xml version="1.0" encoding="utf-8"?>
 <p:sld xmlns:a="http://schemas.openxmlformats.org/drawingml/2006/main" xmlns:r="http://schemas.openxmlformats.org/officeDocument/2006/relationships" xmlns:p="http://schemas.openxmlformats.org/presentationml/2006/main">
   <p:cSld>
     <p:spTree>
@@ -13603,7 +12885,7 @@
 </p:sld>
 </file>
 
-<file path=ppt/slides/slide16.xml><?xml version="1.0" encoding="utf-8"?>
+<file path=ppt/slides/slide15.xml><?xml version="1.0" encoding="utf-8"?>
 <p:sld xmlns:a="http://schemas.openxmlformats.org/drawingml/2006/main" xmlns:r="http://schemas.openxmlformats.org/officeDocument/2006/relationships" xmlns:p="http://schemas.openxmlformats.org/presentationml/2006/main">
   <p:cSld>
     <p:spTree>
@@ -14123,7 +13405,7 @@
 </p:sld>
 </file>
 
-<file path=ppt/slides/slide17.xml><?xml version="1.0" encoding="utf-8"?>
+<file path=ppt/slides/slide16.xml><?xml version="1.0" encoding="utf-8"?>
 <p:sld xmlns:a="http://schemas.openxmlformats.org/drawingml/2006/main" xmlns:r="http://schemas.openxmlformats.org/officeDocument/2006/relationships" xmlns:p="http://schemas.openxmlformats.org/presentationml/2006/main">
   <p:cSld>
     <p:spTree>

--- a/doc/presentation.pptx
+++ b/doc/presentation.pptx
@@ -5,7 +5,7 @@
     <p:sldMasterId id="2147483673" r:id="rId1"/>
   </p:sldMasterIdLst>
   <p:notesMasterIdLst>
-    <p:notesMasterId r:id="rId19"/>
+    <p:notesMasterId r:id="rId20"/>
   </p:notesMasterIdLst>
   <p:sldIdLst>
     <p:sldId id="256" r:id="rId2"/>
@@ -23,43 +23,44 @@
     <p:sldId id="322" r:id="rId14"/>
     <p:sldId id="267" r:id="rId15"/>
     <p:sldId id="328" r:id="rId16"/>
-    <p:sldId id="327" r:id="rId17"/>
-    <p:sldId id="277" r:id="rId18"/>
+    <p:sldId id="329" r:id="rId17"/>
+    <p:sldId id="327" r:id="rId18"/>
+    <p:sldId id="277" r:id="rId19"/>
   </p:sldIdLst>
   <p:sldSz cx="9144000" cy="5143500" type="screen16x9"/>
   <p:notesSz cx="6858000" cy="9144000"/>
   <p:embeddedFontLst>
     <p:embeddedFont>
       <p:font typeface="Exo 2" panose="020B0604020202020204" charset="0"/>
-      <p:regular r:id="rId20"/>
-      <p:bold r:id="rId21"/>
-      <p:italic r:id="rId22"/>
-      <p:boldItalic r:id="rId23"/>
+      <p:regular r:id="rId21"/>
+      <p:bold r:id="rId22"/>
+      <p:italic r:id="rId23"/>
+      <p:boldItalic r:id="rId24"/>
     </p:embeddedFont>
     <p:embeddedFont>
       <p:font typeface="Fira Sans Extra Condensed Medium" panose="020B0604020202020204" charset="0"/>
-      <p:regular r:id="rId24"/>
-      <p:bold r:id="rId25"/>
-      <p:italic r:id="rId26"/>
-      <p:boldItalic r:id="rId27"/>
+      <p:regular r:id="rId25"/>
+      <p:bold r:id="rId26"/>
+      <p:italic r:id="rId27"/>
+      <p:boldItalic r:id="rId28"/>
     </p:embeddedFont>
     <p:embeddedFont>
       <p:font typeface="Roboto Condensed" panose="020B0604020202020204" charset="0"/>
-      <p:regular r:id="rId28"/>
-      <p:bold r:id="rId29"/>
-      <p:italic r:id="rId30"/>
-      <p:boldItalic r:id="rId31"/>
+      <p:regular r:id="rId29"/>
+      <p:bold r:id="rId30"/>
+      <p:italic r:id="rId31"/>
+      <p:boldItalic r:id="rId32"/>
     </p:embeddedFont>
     <p:embeddedFont>
       <p:font typeface="Roboto Condensed Light" panose="020B0604020202020204" charset="0"/>
-      <p:regular r:id="rId32"/>
-      <p:bold r:id="rId33"/>
-      <p:italic r:id="rId34"/>
-      <p:boldItalic r:id="rId35"/>
+      <p:regular r:id="rId33"/>
+      <p:bold r:id="rId34"/>
+      <p:italic r:id="rId35"/>
+      <p:boldItalic r:id="rId36"/>
     </p:embeddedFont>
     <p:embeddedFont>
       <p:font typeface="Squada One" panose="020B0604020202020204" charset="0"/>
-      <p:regular r:id="rId36"/>
+      <p:regular r:id="rId37"/>
     </p:embeddedFont>
   </p:embeddedFontLst>
   <p:defaultTextStyle>
@@ -311,6 +312,7 @@
             <p14:sldId id="322"/>
             <p14:sldId id="267"/>
             <p14:sldId id="328"/>
+            <p14:sldId id="329"/>
             <p14:sldId id="327"/>
             <p14:sldId id="277"/>
           </p14:sldIdLst>
@@ -1371,6 +1373,72 @@
           <a:bodyPr/>
           <a:lstStyle/>
           <a:p>
+            <a:endParaRPr lang="en-US" dirty="0"/>
+          </a:p>
+        </p:txBody>
+      </p:sp>
+    </p:spTree>
+    <p:extLst>
+      <p:ext uri="{BB962C8B-B14F-4D97-AF65-F5344CB8AC3E}">
+        <p14:creationId xmlns:p14="http://schemas.microsoft.com/office/powerpoint/2010/main" val="2677712261"/>
+      </p:ext>
+    </p:extLst>
+  </p:cSld>
+  <p:clrMapOvr>
+    <a:masterClrMapping/>
+  </p:clrMapOvr>
+</p:notes>
+</file>
+
+<file path=ppt/notesSlides/notesSlide17.xml><?xml version="1.0" encoding="utf-8"?>
+<p:notes xmlns:a="http://schemas.openxmlformats.org/drawingml/2006/main" xmlns:r="http://schemas.openxmlformats.org/officeDocument/2006/relationships" xmlns:p="http://schemas.openxmlformats.org/presentationml/2006/main">
+  <p:cSld>
+    <p:spTree>
+      <p:nvGrpSpPr>
+        <p:cNvPr id="1" name=""/>
+        <p:cNvGrpSpPr/>
+        <p:nvPr/>
+      </p:nvGrpSpPr>
+      <p:grpSpPr>
+        <a:xfrm>
+          <a:off x="0" y="0"/>
+          <a:ext cx="0" cy="0"/>
+          <a:chOff x="0" y="0"/>
+          <a:chExt cx="0" cy="0"/>
+        </a:xfrm>
+      </p:grpSpPr>
+      <p:sp>
+        <p:nvSpPr>
+          <p:cNvPr id="2" name="Slide Image Placeholder 1"/>
+          <p:cNvSpPr>
+            <a:spLocks noGrp="1" noRot="1" noChangeAspect="1"/>
+          </p:cNvSpPr>
+          <p:nvPr>
+            <p:ph type="sldImg"/>
+          </p:nvPr>
+        </p:nvSpPr>
+        <p:spPr>
+          <a:xfrm>
+            <a:off x="381000" y="685800"/>
+            <a:ext cx="6096000" cy="3429000"/>
+          </a:xfrm>
+        </p:spPr>
+      </p:sp>
+      <p:sp>
+        <p:nvSpPr>
+          <p:cNvPr id="3" name="Notes Placeholder 2"/>
+          <p:cNvSpPr>
+            <a:spLocks noGrp="1"/>
+          </p:cNvSpPr>
+          <p:nvPr>
+            <p:ph type="body" idx="1"/>
+          </p:nvPr>
+        </p:nvSpPr>
+        <p:spPr/>
+        <p:txBody>
+          <a:bodyPr/>
+          <a:lstStyle/>
+          <a:p>
             <a:r>
               <a:rPr lang="af-ZA" dirty="0"/>
               <a:t>Example: Iphone vs. BlackBerry</a:t>
@@ -1392,7 +1460,7 @@
 </p:notes>
 </file>
 
-<file path=ppt/notesSlides/notesSlide17.xml><?xml version="1.0" encoding="utf-8"?>
+<file path=ppt/notesSlides/notesSlide18.xml><?xml version="1.0" encoding="utf-8"?>
 <p:notes xmlns:a="http://schemas.openxmlformats.org/drawingml/2006/main" xmlns:r="http://schemas.openxmlformats.org/officeDocument/2006/relationships" xmlns:p="http://schemas.openxmlformats.org/presentationml/2006/main" showMasterSp="0" showMasterPhAnim="0">
   <p:cSld>
     <p:spTree>
@@ -8759,7 +8827,7 @@
     <p:sldLayoutId id="2147483671" r:id="rId8"/>
     <p:sldLayoutId id="2147483674" r:id="rId9"/>
   </p:sldLayoutIdLst>
-  <p:hf hdr="0" ftr="0" dt="0"/>
+  <p:hf hdr="0" dt="0"/>
   <p:txStyles>
     <p:titleStyle>
       <a:defPPr marR="0" lvl="0" algn="l" rtl="0">
@@ -13074,7 +13142,7 @@
           <p:nvPr>
             <p:extLst>
               <p:ext uri="{D42A27DB-BD31-4B8C-83A1-F6EECF244321}">
-                <p14:modId xmlns:p14="http://schemas.microsoft.com/office/powerpoint/2010/main" val="2981906452"/>
+                <p14:modId xmlns:p14="http://schemas.microsoft.com/office/powerpoint/2010/main" val="1195766847"/>
               </p:ext>
             </p:extLst>
           </p:nvPr>
@@ -13164,7 +13232,7 @@
                     <a:p>
                       <a:pPr algn="ctr" fontAlgn="ctr"/>
                       <a:r>
-                        <a:rPr lang="en-US" sz="1300" b="1">
+                        <a:rPr lang="en-US" sz="1300" b="1" dirty="0">
                           <a:effectLst/>
                         </a:rPr>
                         <a:t>Accuracy</a:t>
@@ -13196,7 +13264,7 @@
                     <a:p>
                       <a:pPr algn="ctr" fontAlgn="ctr"/>
                       <a:r>
-                        <a:rPr lang="en-US" sz="1300" b="1">
+                        <a:rPr lang="en-US" sz="1300" b="1" dirty="0">
                           <a:effectLst/>
                         </a:rPr>
                         <a:t>AUC</a:t>
@@ -13212,7 +13280,7 @@
                     <a:p>
                       <a:pPr algn="ctr" fontAlgn="ctr"/>
                       <a:r>
-                        <a:rPr lang="en-US" sz="1300" b="1">
+                        <a:rPr lang="en-US" sz="1300" b="1" dirty="0">
                           <a:effectLst/>
                         </a:rPr>
                         <a:t>Train Time</a:t>
@@ -13228,7 +13296,7 @@
                     <a:p>
                       <a:pPr algn="ctr" fontAlgn="ctr"/>
                       <a:r>
-                        <a:rPr lang="en-US" sz="1300" b="1">
+                        <a:rPr lang="en-US" sz="1300" b="1" dirty="0">
                           <a:effectLst/>
                         </a:rPr>
                         <a:t>Test time</a:t>
@@ -13267,7 +13335,7 @@
                     <a:p>
                       <a:pPr algn="ctr" fontAlgn="ctr"/>
                       <a:r>
-                        <a:rPr lang="en-US" sz="1300" b="1">
+                        <a:rPr lang="en-US" sz="1300" b="1" dirty="0">
                           <a:effectLst/>
                         </a:rPr>
                         <a:t>Baseline Model (GBT)</a:t>
@@ -13283,7 +13351,7 @@
                     <a:p>
                       <a:pPr algn="ctr" fontAlgn="ctr"/>
                       <a:r>
-                        <a:rPr lang="en-US" sz="1300">
+                        <a:rPr lang="en-US" sz="1300" dirty="0">
                           <a:effectLst/>
                         </a:rPr>
                         <a:t>0.78</a:t>
@@ -13315,7 +13383,7 @@
                     <a:p>
                       <a:pPr algn="ctr" fontAlgn="ctr"/>
                       <a:r>
-                        <a:rPr lang="en-US" sz="1300">
+                        <a:rPr lang="en-US" sz="1300" dirty="0">
                           <a:effectLst/>
                         </a:rPr>
                         <a:t>0.79</a:t>
@@ -13347,7 +13415,7 @@
                     <a:p>
                       <a:pPr algn="ctr" fontAlgn="ctr"/>
                       <a:r>
-                        <a:rPr lang="en-US" sz="1300">
+                        <a:rPr lang="en-US" sz="1300" dirty="0">
                           <a:effectLst/>
                         </a:rPr>
                         <a:t>0.02 s</a:t>
@@ -13363,13 +13431,13 @@
                     <a:p>
                       <a:pPr algn="ctr" fontAlgn="ctr"/>
                       <a:r>
-                        <a:rPr lang="en-US" sz="1300" u="none" strike="noStrike">
+                        <a:rPr lang="en-US" sz="1300" u="none" strike="noStrike" dirty="0">
                           <a:effectLst/>
                           <a:hlinkClick r:id="rId3"/>
                         </a:rPr>
                         <a:t>GBT</a:t>
                       </a:r>
-                      <a:endParaRPr lang="en-US" sz="1300">
+                      <a:endParaRPr lang="en-US" sz="1300" dirty="0">
                         <a:effectLst/>
                       </a:endParaRPr>
                     </a:p>
@@ -13768,10 +13836,7 @@
                   </a:txBody>
                   <a:tcPr anchor="ctr">
                     <a:solidFill>
-                      <a:schemeClr val="tx1">
-                        <a:lumMod val="40000"/>
-                        <a:lumOff val="60000"/>
-                      </a:schemeClr>
+                      <a:srgbClr val="92D050"/>
                     </a:solidFill>
                   </a:tcPr>
                 </a:tc>
@@ -13791,10 +13856,7 @@
                   </a:txBody>
                   <a:tcPr anchor="ctr">
                     <a:solidFill>
-                      <a:schemeClr val="tx1">
-                        <a:lumMod val="40000"/>
-                        <a:lumOff val="60000"/>
-                      </a:schemeClr>
+                      <a:srgbClr val="92D050"/>
                     </a:solidFill>
                   </a:tcPr>
                 </a:tc>
@@ -13814,10 +13876,7 @@
                   </a:txBody>
                   <a:tcPr anchor="ctr">
                     <a:solidFill>
-                      <a:schemeClr val="tx1">
-                        <a:lumMod val="40000"/>
-                        <a:lumOff val="60000"/>
-                      </a:schemeClr>
+                      <a:srgbClr val="92D050"/>
                     </a:solidFill>
                   </a:tcPr>
                 </a:tc>
@@ -13837,10 +13896,7 @@
                   </a:txBody>
                   <a:tcPr anchor="ctr">
                     <a:solidFill>
-                      <a:schemeClr val="tx1">
-                        <a:lumMod val="40000"/>
-                        <a:lumOff val="60000"/>
-                      </a:schemeClr>
+                      <a:srgbClr val="92D050"/>
                     </a:solidFill>
                   </a:tcPr>
                 </a:tc>
@@ -13860,10 +13916,7 @@
                   </a:txBody>
                   <a:tcPr anchor="ctr">
                     <a:solidFill>
-                      <a:schemeClr val="tx1">
-                        <a:lumMod val="40000"/>
-                        <a:lumOff val="60000"/>
-                      </a:schemeClr>
+                      <a:srgbClr val="92D050"/>
                     </a:solidFill>
                   </a:tcPr>
                 </a:tc>
@@ -13883,10 +13936,7 @@
                   </a:txBody>
                   <a:tcPr anchor="ctr">
                     <a:solidFill>
-                      <a:schemeClr val="tx1">
-                        <a:lumMod val="40000"/>
-                        <a:lumOff val="60000"/>
-                      </a:schemeClr>
+                      <a:srgbClr val="92D050"/>
                     </a:solidFill>
                   </a:tcPr>
                 </a:tc>
@@ -13910,10 +13960,7 @@
                   </a:txBody>
                   <a:tcPr anchor="ctr">
                     <a:solidFill>
-                      <a:schemeClr val="tx1">
-                        <a:lumMod val="40000"/>
-                        <a:lumOff val="60000"/>
-                      </a:schemeClr>
+                      <a:srgbClr val="92D050"/>
                     </a:solidFill>
                   </a:tcPr>
                 </a:tc>
@@ -14464,6 +14511,915 @@
         <p:spPr>
           <a:xfrm>
             <a:off x="390585" y="1097280"/>
+            <a:ext cx="8426346" cy="584775"/>
+          </a:xfrm>
+          <a:prstGeom prst="rect">
+            <a:avLst/>
+          </a:prstGeom>
+          <a:noFill/>
+        </p:spPr>
+        <p:txBody>
+          <a:bodyPr wrap="square" rtlCol="0">
+            <a:spAutoFit/>
+          </a:bodyPr>
+          <a:lstStyle/>
+          <a:p>
+            <a:endParaRPr lang="en-US" sz="1600" dirty="0">
+              <a:latin typeface="Roboto Condensed" panose="020B0604020202020204" charset="0"/>
+              <a:ea typeface="Roboto Condensed" panose="020B0604020202020204" charset="0"/>
+            </a:endParaRPr>
+          </a:p>
+          <a:p>
+            <a:pPr marL="285750" indent="-285750">
+              <a:buFont typeface="Arial" panose="020B0604020202020204" pitchFamily="34" charset="0"/>
+              <a:buChar char="•"/>
+            </a:pPr>
+            <a:endParaRPr lang="en-US" sz="1600" dirty="0">
+              <a:latin typeface="Roboto Condensed" panose="020B0604020202020204" charset="0"/>
+              <a:ea typeface="Roboto Condensed" panose="020B0604020202020204" charset="0"/>
+            </a:endParaRPr>
+          </a:p>
+        </p:txBody>
+      </p:sp>
+      <p:sp>
+        <p:nvSpPr>
+          <p:cNvPr id="13" name="TextBox 12">
+            <a:extLst>
+              <a:ext uri="{FF2B5EF4-FFF2-40B4-BE49-F238E27FC236}">
+                <a16:creationId xmlns:a16="http://schemas.microsoft.com/office/drawing/2014/main" id="{A32B1320-CD8C-4B95-8F15-53F57C4FE4E6}"/>
+              </a:ext>
+            </a:extLst>
+          </p:cNvPr>
+          <p:cNvSpPr txBox="1"/>
+          <p:nvPr/>
+        </p:nvSpPr>
+        <p:spPr>
+          <a:xfrm>
+            <a:off x="602168" y="2978331"/>
+            <a:ext cx="7897397" cy="646331"/>
+          </a:xfrm>
+          <a:prstGeom prst="rect">
+            <a:avLst/>
+          </a:prstGeom>
+          <a:noFill/>
+        </p:spPr>
+        <p:txBody>
+          <a:bodyPr wrap="square" rtlCol="0">
+            <a:spAutoFit/>
+          </a:bodyPr>
+          <a:lstStyle/>
+          <a:p>
+            <a:pPr marL="0" marR="0" lvl="0" indent="0" algn="l" defTabSz="914400" rtl="0" eaLnBrk="1" fontAlgn="auto" latinLnBrk="0" hangingPunct="1">
+              <a:lnSpc>
+                <a:spcPct val="100000"/>
+              </a:lnSpc>
+              <a:spcBef>
+                <a:spcPts val="0"/>
+              </a:spcBef>
+              <a:spcAft>
+                <a:spcPts val="0"/>
+              </a:spcAft>
+              <a:buClr>
+                <a:srgbClr val="000000"/>
+              </a:buClr>
+              <a:buSzTx/>
+              <a:buFont typeface="Arial"/>
+              <a:buNone/>
+              <a:tabLst/>
+              <a:defRPr/>
+            </a:pPr>
+            <a:r>
+              <a:rPr lang="en-US" sz="1800" dirty="0">
+                <a:solidFill>
+                  <a:schemeClr val="accent6"/>
+                </a:solidFill>
+                <a:latin typeface="Roboto Condensed" panose="020B0604020202020204" charset="0"/>
+                <a:ea typeface="Roboto Condensed" panose="020B0604020202020204" charset="0"/>
+              </a:rPr>
+              <a:t>As we can see in the comparison table above, NN, as expected, preforms better than the baseline model in all parameters, excluding run time.</a:t>
+            </a:r>
+            <a:endParaRPr kumimoji="0" lang="en-US" sz="1800" b="0" i="0" u="none" strike="noStrike" kern="0" cap="none" spc="0" normalizeH="0" baseline="0" dirty="0">
+              <a:ln>
+                <a:noFill/>
+              </a:ln>
+              <a:solidFill>
+                <a:schemeClr val="accent6"/>
+              </a:solidFill>
+              <a:effectLst/>
+              <a:uLnTx/>
+              <a:uFillTx/>
+              <a:latin typeface="Roboto Condensed" panose="020B0604020202020204" charset="0"/>
+              <a:ea typeface="Roboto Condensed" panose="020B0604020202020204" charset="0"/>
+              <a:cs typeface="Arial"/>
+              <a:sym typeface="Arial"/>
+            </a:endParaRPr>
+          </a:p>
+        </p:txBody>
+      </p:sp>
+      <p:sp>
+        <p:nvSpPr>
+          <p:cNvPr id="16" name="Title 1">
+            <a:extLst>
+              <a:ext uri="{FF2B5EF4-FFF2-40B4-BE49-F238E27FC236}">
+                <a16:creationId xmlns:a16="http://schemas.microsoft.com/office/drawing/2014/main" id="{15D2315E-099E-4C11-BAD2-1568AA7F807B}"/>
+              </a:ext>
+            </a:extLst>
+          </p:cNvPr>
+          <p:cNvSpPr txBox="1">
+            <a:spLocks/>
+          </p:cNvSpPr>
+          <p:nvPr/>
+        </p:nvSpPr>
+        <p:spPr>
+          <a:xfrm>
+            <a:off x="390585" y="136940"/>
+            <a:ext cx="7710410" cy="551037"/>
+          </a:xfrm>
+          <a:prstGeom prst="rect">
+            <a:avLst/>
+          </a:prstGeom>
+          <a:noFill/>
+          <a:ln>
+            <a:noFill/>
+          </a:ln>
+        </p:spPr>
+        <p:txBody>
+          <a:bodyPr spcFirstLastPara="1" wrap="square" lIns="91425" tIns="91425" rIns="91425" bIns="91425" anchor="t" anchorCtr="0">
+            <a:noAutofit/>
+          </a:bodyPr>
+          <a:lstStyle>
+            <a:defPPr marR="0" lvl="0" algn="l" rtl="0">
+              <a:lnSpc>
+                <a:spcPct val="100000"/>
+              </a:lnSpc>
+              <a:spcBef>
+                <a:spcPts val="0"/>
+              </a:spcBef>
+              <a:spcAft>
+                <a:spcPts val="0"/>
+              </a:spcAft>
+            </a:defPPr>
+            <a:lvl1pPr marR="0" lvl="0" algn="ctr" rtl="0">
+              <a:lnSpc>
+                <a:spcPct val="100000"/>
+              </a:lnSpc>
+              <a:spcBef>
+                <a:spcPts val="0"/>
+              </a:spcBef>
+              <a:spcAft>
+                <a:spcPts val="0"/>
+              </a:spcAft>
+              <a:buClr>
+                <a:schemeClr val="dk1"/>
+              </a:buClr>
+              <a:buSzPts val="2400"/>
+              <a:buFont typeface="Exo 2"/>
+              <a:buNone/>
+              <a:defRPr sz="2400" b="1" i="0" u="none" strike="noStrike" cap="none">
+                <a:solidFill>
+                  <a:schemeClr val="dk1"/>
+                </a:solidFill>
+                <a:latin typeface="Exo 2"/>
+                <a:ea typeface="Exo 2"/>
+                <a:cs typeface="Exo 2"/>
+                <a:sym typeface="Exo 2"/>
+              </a:defRPr>
+            </a:lvl1pPr>
+            <a:lvl2pPr marR="0" lvl="1" algn="r" rtl="0">
+              <a:lnSpc>
+                <a:spcPct val="100000"/>
+              </a:lnSpc>
+              <a:spcBef>
+                <a:spcPts val="0"/>
+              </a:spcBef>
+              <a:spcAft>
+                <a:spcPts val="0"/>
+              </a:spcAft>
+              <a:buClr>
+                <a:schemeClr val="dk1"/>
+              </a:buClr>
+              <a:buSzPts val="2400"/>
+              <a:buFont typeface="Squada One"/>
+              <a:buNone/>
+              <a:defRPr sz="2400" b="0" i="0" u="none" strike="noStrike" cap="none">
+                <a:solidFill>
+                  <a:schemeClr val="dk1"/>
+                </a:solidFill>
+                <a:latin typeface="Squada One"/>
+                <a:ea typeface="Squada One"/>
+                <a:cs typeface="Squada One"/>
+                <a:sym typeface="Squada One"/>
+              </a:defRPr>
+            </a:lvl2pPr>
+            <a:lvl3pPr marR="0" lvl="2" algn="r" rtl="0">
+              <a:lnSpc>
+                <a:spcPct val="100000"/>
+              </a:lnSpc>
+              <a:spcBef>
+                <a:spcPts val="0"/>
+              </a:spcBef>
+              <a:spcAft>
+                <a:spcPts val="0"/>
+              </a:spcAft>
+              <a:buClr>
+                <a:schemeClr val="dk1"/>
+              </a:buClr>
+              <a:buSzPts val="2400"/>
+              <a:buFont typeface="Squada One"/>
+              <a:buNone/>
+              <a:defRPr sz="2400" b="0" i="0" u="none" strike="noStrike" cap="none">
+                <a:solidFill>
+                  <a:schemeClr val="dk1"/>
+                </a:solidFill>
+                <a:latin typeface="Squada One"/>
+                <a:ea typeface="Squada One"/>
+                <a:cs typeface="Squada One"/>
+                <a:sym typeface="Squada One"/>
+              </a:defRPr>
+            </a:lvl3pPr>
+            <a:lvl4pPr marR="0" lvl="3" algn="r" rtl="0">
+              <a:lnSpc>
+                <a:spcPct val="100000"/>
+              </a:lnSpc>
+              <a:spcBef>
+                <a:spcPts val="0"/>
+              </a:spcBef>
+              <a:spcAft>
+                <a:spcPts val="0"/>
+              </a:spcAft>
+              <a:buClr>
+                <a:schemeClr val="dk1"/>
+              </a:buClr>
+              <a:buSzPts val="2400"/>
+              <a:buFont typeface="Squada One"/>
+              <a:buNone/>
+              <a:defRPr sz="2400" b="0" i="0" u="none" strike="noStrike" cap="none">
+                <a:solidFill>
+                  <a:schemeClr val="dk1"/>
+                </a:solidFill>
+                <a:latin typeface="Squada One"/>
+                <a:ea typeface="Squada One"/>
+                <a:cs typeface="Squada One"/>
+                <a:sym typeface="Squada One"/>
+              </a:defRPr>
+            </a:lvl4pPr>
+            <a:lvl5pPr marR="0" lvl="4" algn="r" rtl="0">
+              <a:lnSpc>
+                <a:spcPct val="100000"/>
+              </a:lnSpc>
+              <a:spcBef>
+                <a:spcPts val="0"/>
+              </a:spcBef>
+              <a:spcAft>
+                <a:spcPts val="0"/>
+              </a:spcAft>
+              <a:buClr>
+                <a:schemeClr val="dk1"/>
+              </a:buClr>
+              <a:buSzPts val="2400"/>
+              <a:buFont typeface="Squada One"/>
+              <a:buNone/>
+              <a:defRPr sz="2400" b="0" i="0" u="none" strike="noStrike" cap="none">
+                <a:solidFill>
+                  <a:schemeClr val="dk1"/>
+                </a:solidFill>
+                <a:latin typeface="Squada One"/>
+                <a:ea typeface="Squada One"/>
+                <a:cs typeface="Squada One"/>
+                <a:sym typeface="Squada One"/>
+              </a:defRPr>
+            </a:lvl5pPr>
+            <a:lvl6pPr marR="0" lvl="5" algn="r" rtl="0">
+              <a:lnSpc>
+                <a:spcPct val="100000"/>
+              </a:lnSpc>
+              <a:spcBef>
+                <a:spcPts val="0"/>
+              </a:spcBef>
+              <a:spcAft>
+                <a:spcPts val="0"/>
+              </a:spcAft>
+              <a:buClr>
+                <a:schemeClr val="dk1"/>
+              </a:buClr>
+              <a:buSzPts val="2400"/>
+              <a:buFont typeface="Squada One"/>
+              <a:buNone/>
+              <a:defRPr sz="2400" b="0" i="0" u="none" strike="noStrike" cap="none">
+                <a:solidFill>
+                  <a:schemeClr val="dk1"/>
+                </a:solidFill>
+                <a:latin typeface="Squada One"/>
+                <a:ea typeface="Squada One"/>
+                <a:cs typeface="Squada One"/>
+                <a:sym typeface="Squada One"/>
+              </a:defRPr>
+            </a:lvl6pPr>
+            <a:lvl7pPr marR="0" lvl="6" algn="r" rtl="0">
+              <a:lnSpc>
+                <a:spcPct val="100000"/>
+              </a:lnSpc>
+              <a:spcBef>
+                <a:spcPts val="0"/>
+              </a:spcBef>
+              <a:spcAft>
+                <a:spcPts val="0"/>
+              </a:spcAft>
+              <a:buClr>
+                <a:schemeClr val="dk1"/>
+              </a:buClr>
+              <a:buSzPts val="2400"/>
+              <a:buFont typeface="Squada One"/>
+              <a:buNone/>
+              <a:defRPr sz="2400" b="0" i="0" u="none" strike="noStrike" cap="none">
+                <a:solidFill>
+                  <a:schemeClr val="dk1"/>
+                </a:solidFill>
+                <a:latin typeface="Squada One"/>
+                <a:ea typeface="Squada One"/>
+                <a:cs typeface="Squada One"/>
+                <a:sym typeface="Squada One"/>
+              </a:defRPr>
+            </a:lvl7pPr>
+            <a:lvl8pPr marR="0" lvl="7" algn="r" rtl="0">
+              <a:lnSpc>
+                <a:spcPct val="100000"/>
+              </a:lnSpc>
+              <a:spcBef>
+                <a:spcPts val="0"/>
+              </a:spcBef>
+              <a:spcAft>
+                <a:spcPts val="0"/>
+              </a:spcAft>
+              <a:buClr>
+                <a:schemeClr val="dk1"/>
+              </a:buClr>
+              <a:buSzPts val="2400"/>
+              <a:buFont typeface="Squada One"/>
+              <a:buNone/>
+              <a:defRPr sz="2400" b="0" i="0" u="none" strike="noStrike" cap="none">
+                <a:solidFill>
+                  <a:schemeClr val="dk1"/>
+                </a:solidFill>
+                <a:latin typeface="Squada One"/>
+                <a:ea typeface="Squada One"/>
+                <a:cs typeface="Squada One"/>
+                <a:sym typeface="Squada One"/>
+              </a:defRPr>
+            </a:lvl8pPr>
+            <a:lvl9pPr marR="0" lvl="8" algn="r" rtl="0">
+              <a:lnSpc>
+                <a:spcPct val="100000"/>
+              </a:lnSpc>
+              <a:spcBef>
+                <a:spcPts val="0"/>
+              </a:spcBef>
+              <a:spcAft>
+                <a:spcPts val="0"/>
+              </a:spcAft>
+              <a:buClr>
+                <a:schemeClr val="dk1"/>
+              </a:buClr>
+              <a:buSzPts val="2400"/>
+              <a:buFont typeface="Squada One"/>
+              <a:buNone/>
+              <a:defRPr sz="2400" b="0" i="0" u="none" strike="noStrike" cap="none">
+                <a:solidFill>
+                  <a:schemeClr val="dk1"/>
+                </a:solidFill>
+                <a:latin typeface="Squada One"/>
+                <a:ea typeface="Squada One"/>
+                <a:cs typeface="Squada One"/>
+                <a:sym typeface="Squada One"/>
+              </a:defRPr>
+            </a:lvl9pPr>
+          </a:lstStyle>
+          <a:p>
+            <a:pPr marL="0" marR="0" lvl="0" indent="0" algn="l" defTabSz="914400" rtl="0" eaLnBrk="1" fontAlgn="auto" latinLnBrk="0" hangingPunct="1">
+              <a:lnSpc>
+                <a:spcPct val="100000"/>
+              </a:lnSpc>
+              <a:spcBef>
+                <a:spcPts val="0"/>
+              </a:spcBef>
+              <a:spcAft>
+                <a:spcPts val="0"/>
+              </a:spcAft>
+              <a:buClr>
+                <a:srgbClr val="434343"/>
+              </a:buClr>
+              <a:buSzPts val="2400"/>
+              <a:buFont typeface="Exo 2"/>
+              <a:buNone/>
+              <a:tabLst/>
+              <a:defRPr/>
+            </a:pPr>
+            <a:r>
+              <a:rPr kumimoji="0" lang="en-US" sz="2400" b="1" i="0" u="none" strike="noStrike" kern="0" cap="none" spc="0" normalizeH="0" baseline="0" noProof="0" dirty="0">
+                <a:ln>
+                  <a:noFill/>
+                </a:ln>
+                <a:solidFill>
+                  <a:srgbClr val="000000"/>
+                </a:solidFill>
+                <a:effectLst/>
+                <a:uLnTx/>
+                <a:uFillTx/>
+                <a:latin typeface="Roboto Condensed" panose="020B0604020202020204" charset="0"/>
+                <a:ea typeface="Roboto Condensed" panose="020B0604020202020204" charset="0"/>
+                <a:sym typeface="Exo 2"/>
+              </a:rPr>
+              <a:t>Baseline Vs. N</a:t>
+            </a:r>
+            <a:r>
+              <a:rPr lang="en-US" dirty="0" err="1">
+                <a:solidFill>
+                  <a:srgbClr val="000000"/>
+                </a:solidFill>
+                <a:latin typeface="Roboto Condensed" panose="020B0604020202020204" charset="0"/>
+                <a:ea typeface="Roboto Condensed" panose="020B0604020202020204" charset="0"/>
+              </a:rPr>
+              <a:t>eural</a:t>
+            </a:r>
+            <a:r>
+              <a:rPr lang="en-US" dirty="0">
+                <a:solidFill>
+                  <a:srgbClr val="000000"/>
+                </a:solidFill>
+                <a:latin typeface="Roboto Condensed" panose="020B0604020202020204" charset="0"/>
+                <a:ea typeface="Roboto Condensed" panose="020B0604020202020204" charset="0"/>
+              </a:rPr>
+              <a:t> Network</a:t>
+            </a:r>
+            <a:endParaRPr kumimoji="0" lang="en-US" sz="2400" b="1" i="0" u="none" strike="noStrike" kern="0" cap="none" spc="0" normalizeH="0" baseline="0" noProof="0" dirty="0">
+              <a:ln>
+                <a:noFill/>
+              </a:ln>
+              <a:solidFill>
+                <a:srgbClr val="000000"/>
+              </a:solidFill>
+              <a:effectLst/>
+              <a:uLnTx/>
+              <a:uFillTx/>
+              <a:latin typeface="Roboto Condensed" panose="020B0604020202020204" charset="0"/>
+              <a:ea typeface="Roboto Condensed" panose="020B0604020202020204" charset="0"/>
+              <a:sym typeface="Exo 2"/>
+            </a:endParaRPr>
+          </a:p>
+        </p:txBody>
+      </p:sp>
+      <p:graphicFrame>
+        <p:nvGraphicFramePr>
+          <p:cNvPr id="2" name="Table 2">
+            <a:extLst>
+              <a:ext uri="{FF2B5EF4-FFF2-40B4-BE49-F238E27FC236}">
+                <a16:creationId xmlns:a16="http://schemas.microsoft.com/office/drawing/2014/main" id="{42A0D0F2-9581-4691-A85B-6B51AF5EEDC7}"/>
+              </a:ext>
+            </a:extLst>
+          </p:cNvPr>
+          <p:cNvGraphicFramePr>
+            <a:graphicFrameLocks noGrp="1"/>
+          </p:cNvGraphicFramePr>
+          <p:nvPr>
+            <p:extLst>
+              <p:ext uri="{D42A27DB-BD31-4B8C-83A1-F6EECF244321}">
+                <p14:modId xmlns:p14="http://schemas.microsoft.com/office/powerpoint/2010/main" val="1860683217"/>
+              </p:ext>
+            </p:extLst>
+          </p:nvPr>
+        </p:nvGraphicFramePr>
+        <p:xfrm>
+          <a:off x="602168" y="1162050"/>
+          <a:ext cx="7897398" cy="1463040"/>
+        </p:xfrm>
+        <a:graphic>
+          <a:graphicData uri="http://schemas.openxmlformats.org/drawingml/2006/table">
+            <a:tbl>
+              <a:tblPr firstRow="1" bandRow="1">
+                <a:tableStyleId>{A2ADBCF7-ED1B-4D6C-A6D6-044A955FABA4}</a:tableStyleId>
+              </a:tblPr>
+              <a:tblGrid>
+                <a:gridCol w="1316233">
+                  <a:extLst>
+                    <a:ext uri="{9D8B030D-6E8A-4147-A177-3AD203B41FA5}">
+                      <a16:colId xmlns:a16="http://schemas.microsoft.com/office/drawing/2014/main" val="1994443458"/>
+                    </a:ext>
+                  </a:extLst>
+                </a:gridCol>
+                <a:gridCol w="1316233">
+                  <a:extLst>
+                    <a:ext uri="{9D8B030D-6E8A-4147-A177-3AD203B41FA5}">
+                      <a16:colId xmlns:a16="http://schemas.microsoft.com/office/drawing/2014/main" val="2009623031"/>
+                    </a:ext>
+                  </a:extLst>
+                </a:gridCol>
+                <a:gridCol w="1316233">
+                  <a:extLst>
+                    <a:ext uri="{9D8B030D-6E8A-4147-A177-3AD203B41FA5}">
+                      <a16:colId xmlns:a16="http://schemas.microsoft.com/office/drawing/2014/main" val="11860834"/>
+                    </a:ext>
+                  </a:extLst>
+                </a:gridCol>
+                <a:gridCol w="1316233">
+                  <a:extLst>
+                    <a:ext uri="{9D8B030D-6E8A-4147-A177-3AD203B41FA5}">
+                      <a16:colId xmlns:a16="http://schemas.microsoft.com/office/drawing/2014/main" val="1320179067"/>
+                    </a:ext>
+                  </a:extLst>
+                </a:gridCol>
+                <a:gridCol w="1316233">
+                  <a:extLst>
+                    <a:ext uri="{9D8B030D-6E8A-4147-A177-3AD203B41FA5}">
+                      <a16:colId xmlns:a16="http://schemas.microsoft.com/office/drawing/2014/main" val="517161613"/>
+                    </a:ext>
+                  </a:extLst>
+                </a:gridCol>
+                <a:gridCol w="1316233">
+                  <a:extLst>
+                    <a:ext uri="{9D8B030D-6E8A-4147-A177-3AD203B41FA5}">
+                      <a16:colId xmlns:a16="http://schemas.microsoft.com/office/drawing/2014/main" val="3261224813"/>
+                    </a:ext>
+                  </a:extLst>
+                </a:gridCol>
+              </a:tblGrid>
+              <a:tr h="370840">
+                <a:tc>
+                  <a:txBody>
+                    <a:bodyPr/>
+                    <a:lstStyle/>
+                    <a:p>
+                      <a:pPr algn="ctr" fontAlgn="ctr"/>
+                      <a:r>
+                        <a:rPr lang="en-US" sz="1300" b="1" dirty="0">
+                          <a:effectLst/>
+                        </a:rPr>
+                        <a:t>Model</a:t>
+                      </a:r>
+                    </a:p>
+                  </a:txBody>
+                  <a:tcPr anchor="ctr"/>
+                </a:tc>
+                <a:tc>
+                  <a:txBody>
+                    <a:bodyPr/>
+                    <a:lstStyle/>
+                    <a:p>
+                      <a:pPr algn="ctr" fontAlgn="ctr"/>
+                      <a:r>
+                        <a:rPr lang="en-US" sz="1300" b="1" dirty="0">
+                          <a:effectLst/>
+                        </a:rPr>
+                        <a:t>Accuracy</a:t>
+                      </a:r>
+                    </a:p>
+                  </a:txBody>
+                  <a:tcPr anchor="ctr"/>
+                </a:tc>
+                <a:tc>
+                  <a:txBody>
+                    <a:bodyPr/>
+                    <a:lstStyle/>
+                    <a:p>
+                      <a:pPr algn="ctr" fontAlgn="ctr"/>
+                      <a:r>
+                        <a:rPr lang="en-US" sz="1300" b="1" dirty="0">
+                          <a:effectLst/>
+                        </a:rPr>
+                        <a:t>Weighted Accuracy</a:t>
+                      </a:r>
+                    </a:p>
+                  </a:txBody>
+                  <a:tcPr anchor="ctr"/>
+                </a:tc>
+                <a:tc>
+                  <a:txBody>
+                    <a:bodyPr/>
+                    <a:lstStyle/>
+                    <a:p>
+                      <a:pPr algn="ctr" fontAlgn="ctr"/>
+                      <a:r>
+                        <a:rPr lang="en-US" sz="1300" b="1" dirty="0">
+                          <a:effectLst/>
+                        </a:rPr>
+                        <a:t>AUC</a:t>
+                      </a:r>
+                    </a:p>
+                  </a:txBody>
+                  <a:tcPr anchor="ctr"/>
+                </a:tc>
+                <a:tc>
+                  <a:txBody>
+                    <a:bodyPr/>
+                    <a:lstStyle/>
+                    <a:p>
+                      <a:pPr algn="ctr" fontAlgn="ctr"/>
+                      <a:r>
+                        <a:rPr lang="en-US" sz="1300" b="1" dirty="0">
+                          <a:effectLst/>
+                        </a:rPr>
+                        <a:t>Train Time</a:t>
+                      </a:r>
+                    </a:p>
+                  </a:txBody>
+                  <a:tcPr anchor="ctr"/>
+                </a:tc>
+                <a:tc>
+                  <a:txBody>
+                    <a:bodyPr/>
+                    <a:lstStyle/>
+                    <a:p>
+                      <a:pPr algn="ctr" fontAlgn="ctr"/>
+                      <a:r>
+                        <a:rPr lang="en-US" sz="1300" b="1" dirty="0">
+                          <a:effectLst/>
+                        </a:rPr>
+                        <a:t>Test time</a:t>
+                      </a:r>
+                    </a:p>
+                  </a:txBody>
+                  <a:tcPr anchor="ctr"/>
+                </a:tc>
+                <a:extLst>
+                  <a:ext uri="{0D108BD9-81ED-4DB2-BD59-A6C34878D82A}">
+                    <a16:rowId xmlns:a16="http://schemas.microsoft.com/office/drawing/2014/main" val="2162105670"/>
+                  </a:ext>
+                </a:extLst>
+              </a:tr>
+              <a:tr h="370840">
+                <a:tc>
+                  <a:txBody>
+                    <a:bodyPr/>
+                    <a:lstStyle/>
+                    <a:p>
+                      <a:pPr algn="ctr" fontAlgn="ctr"/>
+                      <a:r>
+                        <a:rPr lang="en-US" sz="1300" b="1" dirty="0">
+                          <a:effectLst/>
+                        </a:rPr>
+                        <a:t>Baseline Model (GBT)</a:t>
+                      </a:r>
+                    </a:p>
+                  </a:txBody>
+                  <a:tcPr anchor="ctr"/>
+                </a:tc>
+                <a:tc>
+                  <a:txBody>
+                    <a:bodyPr/>
+                    <a:lstStyle/>
+                    <a:p>
+                      <a:pPr algn="ctr" fontAlgn="ctr"/>
+                      <a:r>
+                        <a:rPr lang="en-US" sz="1300" dirty="0">
+                          <a:effectLst/>
+                        </a:rPr>
+                        <a:t>0.78</a:t>
+                      </a:r>
+                    </a:p>
+                  </a:txBody>
+                  <a:tcPr anchor="ctr"/>
+                </a:tc>
+                <a:tc>
+                  <a:txBody>
+                    <a:bodyPr/>
+                    <a:lstStyle/>
+                    <a:p>
+                      <a:pPr algn="ctr" fontAlgn="ctr"/>
+                      <a:r>
+                        <a:rPr lang="en-US" sz="1300" dirty="0">
+                          <a:effectLst/>
+                        </a:rPr>
+                        <a:t>0.70</a:t>
+                      </a:r>
+                    </a:p>
+                  </a:txBody>
+                  <a:tcPr anchor="ctr"/>
+                </a:tc>
+                <a:tc>
+                  <a:txBody>
+                    <a:bodyPr/>
+                    <a:lstStyle/>
+                    <a:p>
+                      <a:pPr algn="ctr" fontAlgn="ctr"/>
+                      <a:r>
+                        <a:rPr lang="en-US" sz="1300" dirty="0">
+                          <a:effectLst/>
+                        </a:rPr>
+                        <a:t>0.79</a:t>
+                      </a:r>
+                    </a:p>
+                  </a:txBody>
+                  <a:tcPr anchor="ctr"/>
+                </a:tc>
+                <a:tc>
+                  <a:txBody>
+                    <a:bodyPr/>
+                    <a:lstStyle/>
+                    <a:p>
+                      <a:pPr algn="ctr" fontAlgn="ctr"/>
+                      <a:r>
+                        <a:rPr lang="en-US" sz="1300" dirty="0">
+                          <a:effectLst/>
+                        </a:rPr>
+                        <a:t>7.13 s</a:t>
+                      </a:r>
+                    </a:p>
+                  </a:txBody>
+                  <a:tcPr anchor="ctr">
+                    <a:solidFill>
+                      <a:srgbClr val="92D050"/>
+                    </a:solidFill>
+                  </a:tcPr>
+                </a:tc>
+                <a:tc>
+                  <a:txBody>
+                    <a:bodyPr/>
+                    <a:lstStyle/>
+                    <a:p>
+                      <a:pPr algn="ctr" fontAlgn="ctr"/>
+                      <a:r>
+                        <a:rPr lang="en-US" sz="1300" dirty="0">
+                          <a:effectLst/>
+                        </a:rPr>
+                        <a:t>0.02 s</a:t>
+                      </a:r>
+                    </a:p>
+                  </a:txBody>
+                  <a:tcPr anchor="ctr">
+                    <a:solidFill>
+                      <a:srgbClr val="92D050"/>
+                    </a:solidFill>
+                  </a:tcPr>
+                </a:tc>
+                <a:extLst>
+                  <a:ext uri="{0D108BD9-81ED-4DB2-BD59-A6C34878D82A}">
+                    <a16:rowId xmlns:a16="http://schemas.microsoft.com/office/drawing/2014/main" val="638386525"/>
+                  </a:ext>
+                </a:extLst>
+              </a:tr>
+              <a:tr h="370840">
+                <a:tc>
+                  <a:txBody>
+                    <a:bodyPr/>
+                    <a:lstStyle/>
+                    <a:p>
+                      <a:pPr algn="ctr" fontAlgn="ctr"/>
+                      <a:r>
+                        <a:rPr lang="en-US" sz="1300" b="1" dirty="0">
+                          <a:effectLst/>
+                        </a:rPr>
+                        <a:t>Neural Networks</a:t>
+                      </a:r>
+                    </a:p>
+                  </a:txBody>
+                  <a:tcPr anchor="ctr"/>
+                </a:tc>
+                <a:tc>
+                  <a:txBody>
+                    <a:bodyPr/>
+                    <a:lstStyle/>
+                    <a:p>
+                      <a:pPr algn="ctr" fontAlgn="ctr"/>
+                      <a:r>
+                        <a:rPr lang="en-US" sz="1300" dirty="0">
+                          <a:effectLst/>
+                        </a:rPr>
+                        <a:t>0.81</a:t>
+                      </a:r>
+                    </a:p>
+                  </a:txBody>
+                  <a:tcPr anchor="ctr">
+                    <a:solidFill>
+                      <a:srgbClr val="92D050"/>
+                    </a:solidFill>
+                  </a:tcPr>
+                </a:tc>
+                <a:tc>
+                  <a:txBody>
+                    <a:bodyPr/>
+                    <a:lstStyle/>
+                    <a:p>
+                      <a:pPr algn="ctr" fontAlgn="ctr"/>
+                      <a:r>
+                        <a:rPr lang="en-US" sz="1300" dirty="0">
+                          <a:effectLst/>
+                        </a:rPr>
+                        <a:t>0.73</a:t>
+                      </a:r>
+                    </a:p>
+                  </a:txBody>
+                  <a:tcPr anchor="ctr">
+                    <a:solidFill>
+                      <a:srgbClr val="92D050"/>
+                    </a:solidFill>
+                  </a:tcPr>
+                </a:tc>
+                <a:tc>
+                  <a:txBody>
+                    <a:bodyPr/>
+                    <a:lstStyle/>
+                    <a:p>
+                      <a:pPr algn="ctr" fontAlgn="ctr"/>
+                      <a:r>
+                        <a:rPr lang="en-US" sz="1300" dirty="0">
+                          <a:effectLst/>
+                        </a:rPr>
+                        <a:t>0.83</a:t>
+                      </a:r>
+                    </a:p>
+                  </a:txBody>
+                  <a:tcPr anchor="ctr">
+                    <a:solidFill>
+                      <a:srgbClr val="92D050"/>
+                    </a:solidFill>
+                  </a:tcPr>
+                </a:tc>
+                <a:tc>
+                  <a:txBody>
+                    <a:bodyPr/>
+                    <a:lstStyle/>
+                    <a:p>
+                      <a:pPr algn="ctr" fontAlgn="ctr"/>
+                      <a:r>
+                        <a:rPr lang="en-US" sz="1300" dirty="0">
+                          <a:effectLst/>
+                        </a:rPr>
+                        <a:t>110.419 s</a:t>
+                      </a:r>
+                    </a:p>
+                  </a:txBody>
+                  <a:tcPr anchor="ctr"/>
+                </a:tc>
+                <a:tc>
+                  <a:txBody>
+                    <a:bodyPr/>
+                    <a:lstStyle/>
+                    <a:p>
+                      <a:pPr algn="ctr" fontAlgn="ctr"/>
+                      <a:r>
+                        <a:rPr lang="en-US" sz="1300" dirty="0">
+                          <a:effectLst/>
+                        </a:rPr>
+                        <a:t>0.3 s</a:t>
+                      </a:r>
+                    </a:p>
+                  </a:txBody>
+                  <a:tcPr anchor="ctr"/>
+                </a:tc>
+                <a:extLst>
+                  <a:ext uri="{0D108BD9-81ED-4DB2-BD59-A6C34878D82A}">
+                    <a16:rowId xmlns:a16="http://schemas.microsoft.com/office/drawing/2014/main" val="3456295841"/>
+                  </a:ext>
+                </a:extLst>
+              </a:tr>
+            </a:tbl>
+          </a:graphicData>
+        </a:graphic>
+      </p:graphicFrame>
+    </p:spTree>
+    <p:extLst>
+      <p:ext uri="{BB962C8B-B14F-4D97-AF65-F5344CB8AC3E}">
+        <p14:creationId xmlns:p14="http://schemas.microsoft.com/office/powerpoint/2010/main" val="4140651722"/>
+      </p:ext>
+    </p:extLst>
+  </p:cSld>
+  <p:clrMapOvr>
+    <a:masterClrMapping/>
+  </p:clrMapOvr>
+</p:sld>
+</file>
+
+<file path=ppt/slides/slide17.xml><?xml version="1.0" encoding="utf-8"?>
+<p:sld xmlns:a="http://schemas.openxmlformats.org/drawingml/2006/main" xmlns:r="http://schemas.openxmlformats.org/officeDocument/2006/relationships" xmlns:p="http://schemas.openxmlformats.org/presentationml/2006/main">
+  <p:cSld>
+    <p:spTree>
+      <p:nvGrpSpPr>
+        <p:cNvPr id="1" name=""/>
+        <p:cNvGrpSpPr/>
+        <p:nvPr/>
+      </p:nvGrpSpPr>
+      <p:grpSpPr>
+        <a:xfrm>
+          <a:off x="0" y="0"/>
+          <a:ext cx="0" cy="0"/>
+          <a:chOff x="0" y="0"/>
+          <a:chExt cx="0" cy="0"/>
+        </a:xfrm>
+      </p:grpSpPr>
+      <p:sp>
+        <p:nvSpPr>
+          <p:cNvPr id="25" name="TextBox 24">
+            <a:extLst>
+              <a:ext uri="{FF2B5EF4-FFF2-40B4-BE49-F238E27FC236}">
+                <a16:creationId xmlns:a16="http://schemas.microsoft.com/office/drawing/2014/main" id="{B82D9FE9-097F-4AB8-B5F2-3516238C607D}"/>
+              </a:ext>
+            </a:extLst>
+          </p:cNvPr>
+          <p:cNvSpPr txBox="1"/>
+          <p:nvPr/>
+        </p:nvSpPr>
+        <p:spPr>
+          <a:xfrm>
+            <a:off x="390585" y="1097280"/>
             <a:ext cx="8426346" cy="2308324"/>
           </a:xfrm>
           <a:prstGeom prst="rect">
@@ -14952,7 +15908,7 @@
 </p:sld>
 </file>
 
-<file path=ppt/slides/slide17.xml><?xml version="1.0" encoding="utf-8"?>
+<file path=ppt/slides/slide18.xml><?xml version="1.0" encoding="utf-8"?>
 <p:sld xmlns:a="http://schemas.openxmlformats.org/drawingml/2006/main" xmlns:r="http://schemas.openxmlformats.org/officeDocument/2006/relationships" xmlns:p="http://schemas.openxmlformats.org/presentationml/2006/main">
   <p:cSld>
     <p:spTree>

--- a/doc/presentation.pptx
+++ b/doc/presentation.pptx
@@ -5,7 +5,7 @@
     <p:sldMasterId id="2147483673" r:id="rId1"/>
   </p:sldMasterIdLst>
   <p:notesMasterIdLst>
-    <p:notesMasterId r:id="rId20"/>
+    <p:notesMasterId r:id="rId19"/>
   </p:notesMasterIdLst>
   <p:sldIdLst>
     <p:sldId id="256" r:id="rId2"/>
@@ -24,43 +24,42 @@
     <p:sldId id="267" r:id="rId15"/>
     <p:sldId id="328" r:id="rId16"/>
     <p:sldId id="329" r:id="rId17"/>
-    <p:sldId id="327" r:id="rId18"/>
-    <p:sldId id="277" r:id="rId19"/>
+    <p:sldId id="277" r:id="rId18"/>
   </p:sldIdLst>
   <p:sldSz cx="9144000" cy="5143500" type="screen16x9"/>
   <p:notesSz cx="6858000" cy="9144000"/>
   <p:embeddedFontLst>
     <p:embeddedFont>
       <p:font typeface="Exo 2" panose="020B0604020202020204" charset="0"/>
-      <p:regular r:id="rId21"/>
-      <p:bold r:id="rId22"/>
-      <p:italic r:id="rId23"/>
-      <p:boldItalic r:id="rId24"/>
+      <p:regular r:id="rId20"/>
+      <p:bold r:id="rId21"/>
+      <p:italic r:id="rId22"/>
+      <p:boldItalic r:id="rId23"/>
     </p:embeddedFont>
     <p:embeddedFont>
       <p:font typeface="Fira Sans Extra Condensed Medium" panose="020B0604020202020204" charset="0"/>
-      <p:regular r:id="rId25"/>
-      <p:bold r:id="rId26"/>
-      <p:italic r:id="rId27"/>
-      <p:boldItalic r:id="rId28"/>
+      <p:regular r:id="rId24"/>
+      <p:bold r:id="rId25"/>
+      <p:italic r:id="rId26"/>
+      <p:boldItalic r:id="rId27"/>
     </p:embeddedFont>
     <p:embeddedFont>
       <p:font typeface="Roboto Condensed" panose="020B0604020202020204" charset="0"/>
-      <p:regular r:id="rId29"/>
-      <p:bold r:id="rId30"/>
-      <p:italic r:id="rId31"/>
-      <p:boldItalic r:id="rId32"/>
+      <p:regular r:id="rId28"/>
+      <p:bold r:id="rId29"/>
+      <p:italic r:id="rId30"/>
+      <p:boldItalic r:id="rId31"/>
     </p:embeddedFont>
     <p:embeddedFont>
       <p:font typeface="Roboto Condensed Light" panose="020B0604020202020204" charset="0"/>
-      <p:regular r:id="rId33"/>
-      <p:bold r:id="rId34"/>
-      <p:italic r:id="rId35"/>
-      <p:boldItalic r:id="rId36"/>
+      <p:regular r:id="rId32"/>
+      <p:bold r:id="rId33"/>
+      <p:italic r:id="rId34"/>
+      <p:boldItalic r:id="rId35"/>
     </p:embeddedFont>
     <p:embeddedFont>
       <p:font typeface="Squada One" panose="020B0604020202020204" charset="0"/>
-      <p:regular r:id="rId37"/>
+      <p:regular r:id="rId36"/>
     </p:embeddedFont>
   </p:embeddedFontLst>
   <p:defaultTextStyle>
@@ -313,7 +312,6 @@
             <p14:sldId id="267"/>
             <p14:sldId id="328"/>
             <p14:sldId id="329"/>
-            <p14:sldId id="327"/>
             <p14:sldId id="277"/>
           </p14:sldIdLst>
         </p14:section>
@@ -1391,76 +1389,6 @@
 </file>
 
 <file path=ppt/notesSlides/notesSlide17.xml><?xml version="1.0" encoding="utf-8"?>
-<p:notes xmlns:a="http://schemas.openxmlformats.org/drawingml/2006/main" xmlns:r="http://schemas.openxmlformats.org/officeDocument/2006/relationships" xmlns:p="http://schemas.openxmlformats.org/presentationml/2006/main">
-  <p:cSld>
-    <p:spTree>
-      <p:nvGrpSpPr>
-        <p:cNvPr id="1" name=""/>
-        <p:cNvGrpSpPr/>
-        <p:nvPr/>
-      </p:nvGrpSpPr>
-      <p:grpSpPr>
-        <a:xfrm>
-          <a:off x="0" y="0"/>
-          <a:ext cx="0" cy="0"/>
-          <a:chOff x="0" y="0"/>
-          <a:chExt cx="0" cy="0"/>
-        </a:xfrm>
-      </p:grpSpPr>
-      <p:sp>
-        <p:nvSpPr>
-          <p:cNvPr id="2" name="Slide Image Placeholder 1"/>
-          <p:cNvSpPr>
-            <a:spLocks noGrp="1" noRot="1" noChangeAspect="1"/>
-          </p:cNvSpPr>
-          <p:nvPr>
-            <p:ph type="sldImg"/>
-          </p:nvPr>
-        </p:nvSpPr>
-        <p:spPr>
-          <a:xfrm>
-            <a:off x="381000" y="685800"/>
-            <a:ext cx="6096000" cy="3429000"/>
-          </a:xfrm>
-        </p:spPr>
-      </p:sp>
-      <p:sp>
-        <p:nvSpPr>
-          <p:cNvPr id="3" name="Notes Placeholder 2"/>
-          <p:cNvSpPr>
-            <a:spLocks noGrp="1"/>
-          </p:cNvSpPr>
-          <p:nvPr>
-            <p:ph type="body" idx="1"/>
-          </p:nvPr>
-        </p:nvSpPr>
-        <p:spPr/>
-        <p:txBody>
-          <a:bodyPr/>
-          <a:lstStyle/>
-          <a:p>
-            <a:r>
-              <a:rPr lang="af-ZA" dirty="0"/>
-              <a:t>Example: Iphone vs. BlackBerry</a:t>
-            </a:r>
-            <a:endParaRPr lang="en-US" dirty="0"/>
-          </a:p>
-        </p:txBody>
-      </p:sp>
-    </p:spTree>
-    <p:extLst>
-      <p:ext uri="{BB962C8B-B14F-4D97-AF65-F5344CB8AC3E}">
-        <p14:creationId xmlns:p14="http://schemas.microsoft.com/office/powerpoint/2010/main" val="1319539155"/>
-      </p:ext>
-    </p:extLst>
-  </p:cSld>
-  <p:clrMapOvr>
-    <a:masterClrMapping/>
-  </p:clrMapOvr>
-</p:notes>
-</file>
-
-<file path=ppt/notesSlides/notesSlide18.xml><?xml version="1.0" encoding="utf-8"?>
 <p:notes xmlns:a="http://schemas.openxmlformats.org/drawingml/2006/main" xmlns:r="http://schemas.openxmlformats.org/officeDocument/2006/relationships" xmlns:p="http://schemas.openxmlformats.org/presentationml/2006/main" showMasterSp="0" showMasterPhAnim="0">
   <p:cSld>
     <p:spTree>
@@ -11359,7 +11287,7 @@
         <p:spPr>
           <a:xfrm>
             <a:off x="390585" y="2048153"/>
-            <a:ext cx="8426346" cy="3219471"/>
+            <a:ext cx="8426346" cy="3482941"/>
           </a:xfrm>
           <a:prstGeom prst="rect">
             <a:avLst/>
@@ -11433,6 +11361,22 @@
                 <a:ea typeface="Roboto Condensed" panose="020B0604020202020204" charset="0"/>
               </a:rPr>
               <a:t>In an effort to avoid overfitting, we used Dropout layers in the NN, which randomly sets input units to 0 at certain frequency at each step during training. helping prevent overfitting.</a:t>
+            </a:r>
+          </a:p>
+          <a:p>
+            <a:pPr marL="285750" lvl="0" indent="-285750" rtl="0">
+              <a:lnSpc>
+                <a:spcPct val="107000"/>
+              </a:lnSpc>
+              <a:buFont typeface="Arial" panose="020B0604020202020204" pitchFamily="34" charset="0"/>
+              <a:buChar char="•"/>
+            </a:pPr>
+            <a:r>
+              <a:rPr lang="en-US" sz="1600" dirty="0">
+                <a:latin typeface="Roboto Condensed" panose="020B0604020202020204" charset="0"/>
+                <a:ea typeface="Roboto Condensed" panose="020B0604020202020204" charset="0"/>
+              </a:rPr>
+              <a:t>Potential improvement to the model can be choosing a different optimizer. We chose Adam.</a:t>
             </a:r>
           </a:p>
           <a:p>
@@ -12163,20 +12107,6 @@
               <a:buFont typeface="Arial" panose="020B0604020202020204" pitchFamily="34" charset="0"/>
               <a:buChar char="•"/>
             </a:pPr>
-            <a:endParaRPr lang="en-US" sz="1800" i="0" dirty="0">
-              <a:effectLst/>
-              <a:latin typeface="Roboto Condensed" panose="020B0604020202020204" charset="0"/>
-              <a:ea typeface="Roboto Condensed" panose="020B0604020202020204" charset="0"/>
-            </a:endParaRPr>
-          </a:p>
-          <a:p>
-            <a:pPr marL="285750" lvl="0" indent="-285750" rtl="0">
-              <a:lnSpc>
-                <a:spcPct val="107000"/>
-              </a:lnSpc>
-              <a:buFont typeface="Arial" panose="020B0604020202020204" pitchFamily="34" charset="0"/>
-              <a:buChar char="•"/>
-            </a:pPr>
             <a:r>
               <a:rPr lang="en-US" sz="1800" i="0" dirty="0">
                 <a:effectLst/>
@@ -12185,20 +12115,6 @@
               </a:rPr>
               <a:t>Instead of using NN’s normal activation functions, convolution and pooling functions are sued as activation functions.</a:t>
             </a:r>
-          </a:p>
-          <a:p>
-            <a:pPr marL="285750" lvl="0" indent="-285750" rtl="0">
-              <a:lnSpc>
-                <a:spcPct val="107000"/>
-              </a:lnSpc>
-              <a:buFont typeface="Arial" panose="020B0604020202020204" pitchFamily="34" charset="0"/>
-              <a:buChar char="•"/>
-            </a:pPr>
-            <a:endParaRPr lang="en-US" sz="1800" i="0" dirty="0">
-              <a:effectLst/>
-              <a:latin typeface="Roboto Condensed" panose="020B0604020202020204" charset="0"/>
-              <a:ea typeface="Roboto Condensed" panose="020B0604020202020204" charset="0"/>
-            </a:endParaRPr>
           </a:p>
           <a:p>
             <a:pPr marL="285750" lvl="0" indent="-285750" rtl="0">
@@ -12230,6 +12146,22 @@
                 <a:ea typeface="Roboto Condensed" panose="020B0604020202020204" charset="0"/>
               </a:rPr>
               <a:t> computationally efficient when dealing with image data.</a:t>
+            </a:r>
+          </a:p>
+          <a:p>
+            <a:pPr marL="285750" lvl="0" indent="-285750" rtl="0">
+              <a:lnSpc>
+                <a:spcPct val="107000"/>
+              </a:lnSpc>
+              <a:buFont typeface="Arial" panose="020B0604020202020204" pitchFamily="34" charset="0"/>
+              <a:buChar char="•"/>
+            </a:pPr>
+            <a:r>
+              <a:rPr lang="en-US" sz="1800" dirty="0">
+                <a:latin typeface="Roboto Condensed" panose="020B0604020202020204" charset="0"/>
+                <a:ea typeface="Roboto Condensed" panose="020B0604020202020204" charset="0"/>
+              </a:rPr>
+              <a:t>For future research, perhaps we can improve the model by adjusting brightness, contrast etc. </a:t>
             </a:r>
             <a:endParaRPr lang="en-US" sz="1600" dirty="0">
               <a:latin typeface="Roboto Condensed" panose="020B0604020202020204" charset="0"/>
@@ -14598,21 +14530,6 @@
               </a:rPr>
               <a:t>As we can see in the comparison table above, NN, as expected, preforms better than the baseline model in all parameters, excluding run time.</a:t>
             </a:r>
-            <a:endParaRPr kumimoji="0" lang="en-US" sz="1800" b="0" i="0" u="none" strike="noStrike" kern="0" cap="none" spc="0" normalizeH="0" baseline="0" dirty="0">
-              <a:ln>
-                <a:noFill/>
-              </a:ln>
-              <a:solidFill>
-                <a:schemeClr val="accent6"/>
-              </a:solidFill>
-              <a:effectLst/>
-              <a:uLnTx/>
-              <a:uFillTx/>
-              <a:latin typeface="Roboto Condensed" panose="020B0604020202020204" charset="0"/>
-              <a:ea typeface="Roboto Condensed" panose="020B0604020202020204" charset="0"/>
-              <a:cs typeface="Arial"/>
-              <a:sym typeface="Arial"/>
-            </a:endParaRPr>
           </a:p>
         </p:txBody>
       </p:sp>
@@ -15393,526 +15310,6 @@
   <p:cSld>
     <p:spTree>
       <p:nvGrpSpPr>
-        <p:cNvPr id="1" name=""/>
-        <p:cNvGrpSpPr/>
-        <p:nvPr/>
-      </p:nvGrpSpPr>
-      <p:grpSpPr>
-        <a:xfrm>
-          <a:off x="0" y="0"/>
-          <a:ext cx="0" cy="0"/>
-          <a:chOff x="0" y="0"/>
-          <a:chExt cx="0" cy="0"/>
-        </a:xfrm>
-      </p:grpSpPr>
-      <p:sp>
-        <p:nvSpPr>
-          <p:cNvPr id="25" name="TextBox 24">
-            <a:extLst>
-              <a:ext uri="{FF2B5EF4-FFF2-40B4-BE49-F238E27FC236}">
-                <a16:creationId xmlns:a16="http://schemas.microsoft.com/office/drawing/2014/main" id="{B82D9FE9-097F-4AB8-B5F2-3516238C607D}"/>
-              </a:ext>
-            </a:extLst>
-          </p:cNvPr>
-          <p:cNvSpPr txBox="1"/>
-          <p:nvPr/>
-        </p:nvSpPr>
-        <p:spPr>
-          <a:xfrm>
-            <a:off x="390585" y="1097280"/>
-            <a:ext cx="8426346" cy="2308324"/>
-          </a:xfrm>
-          <a:prstGeom prst="rect">
-            <a:avLst/>
-          </a:prstGeom>
-          <a:noFill/>
-        </p:spPr>
-        <p:txBody>
-          <a:bodyPr wrap="square" rtlCol="0">
-            <a:spAutoFit/>
-          </a:bodyPr>
-          <a:lstStyle/>
-          <a:p>
-            <a:pPr marL="285750" indent="-285750">
-              <a:buFont typeface="Arial" panose="020B0604020202020204" pitchFamily="34" charset="0"/>
-              <a:buChar char="•"/>
-            </a:pPr>
-            <a:r>
-              <a:rPr lang="en-US" sz="1600" dirty="0">
-                <a:latin typeface="Roboto Condensed" panose="020B0604020202020204" charset="0"/>
-                <a:ea typeface="Roboto Condensed" panose="020B0604020202020204" charset="0"/>
-              </a:rPr>
-              <a:t>We expected that CNN, as it is commonly used for image analysis would preform best. This prediction proved wrong.</a:t>
-            </a:r>
-          </a:p>
-          <a:p>
-            <a:pPr marL="285750" indent="-285750">
-              <a:buFont typeface="Arial" panose="020B0604020202020204" pitchFamily="34" charset="0"/>
-              <a:buChar char="•"/>
-            </a:pPr>
-            <a:endParaRPr lang="en-US" sz="1600" dirty="0">
-              <a:latin typeface="Roboto Condensed" panose="020B0604020202020204" charset="0"/>
-              <a:ea typeface="Roboto Condensed" panose="020B0604020202020204" charset="0"/>
-            </a:endParaRPr>
-          </a:p>
-          <a:p>
-            <a:pPr marL="285750" indent="-285750">
-              <a:buFont typeface="Arial" panose="020B0604020202020204" pitchFamily="34" charset="0"/>
-              <a:buChar char="•"/>
-            </a:pPr>
-            <a:r>
-              <a:rPr lang="en-US" sz="1600" dirty="0">
-                <a:latin typeface="Roboto Condensed" panose="020B0604020202020204" charset="0"/>
-                <a:ea typeface="Roboto Condensed" panose="020B0604020202020204" charset="0"/>
-              </a:rPr>
-              <a:t>Further research is needed into why CNN did not yield the expected results.</a:t>
-            </a:r>
-          </a:p>
-          <a:p>
-            <a:pPr marL="285750" indent="-285750">
-              <a:buFont typeface="Arial" panose="020B0604020202020204" pitchFamily="34" charset="0"/>
-              <a:buChar char="•"/>
-            </a:pPr>
-            <a:endParaRPr lang="en-US" sz="1600" dirty="0">
-              <a:latin typeface="Roboto Condensed" panose="020B0604020202020204" charset="0"/>
-              <a:ea typeface="Roboto Condensed" panose="020B0604020202020204" charset="0"/>
-            </a:endParaRPr>
-          </a:p>
-          <a:p>
-            <a:pPr marL="285750" indent="-285750">
-              <a:buFont typeface="Arial" panose="020B0604020202020204" pitchFamily="34" charset="0"/>
-              <a:buChar char="•"/>
-            </a:pPr>
-            <a:r>
-              <a:rPr lang="en-US" sz="1600" dirty="0">
-                <a:latin typeface="Roboto Condensed" panose="020B0604020202020204" charset="0"/>
-                <a:ea typeface="Roboto Condensed" panose="020B0604020202020204" charset="0"/>
-              </a:rPr>
-              <a:t>After calibrating the results as well as the total run time, we propose a Neural Network powered classification model.</a:t>
-            </a:r>
-          </a:p>
-          <a:p>
-            <a:endParaRPr lang="en-US" sz="1600" dirty="0">
-              <a:latin typeface="Roboto Condensed" panose="020B0604020202020204" charset="0"/>
-              <a:ea typeface="Roboto Condensed" panose="020B0604020202020204" charset="0"/>
-            </a:endParaRPr>
-          </a:p>
-          <a:p>
-            <a:pPr marL="285750" indent="-285750">
-              <a:buFont typeface="Arial" panose="020B0604020202020204" pitchFamily="34" charset="0"/>
-              <a:buChar char="•"/>
-            </a:pPr>
-            <a:endParaRPr lang="en-US" sz="1600" dirty="0">
-              <a:latin typeface="Roboto Condensed" panose="020B0604020202020204" charset="0"/>
-              <a:ea typeface="Roboto Condensed" panose="020B0604020202020204" charset="0"/>
-            </a:endParaRPr>
-          </a:p>
-        </p:txBody>
-      </p:sp>
-      <p:sp>
-        <p:nvSpPr>
-          <p:cNvPr id="13" name="TextBox 12">
-            <a:extLst>
-              <a:ext uri="{FF2B5EF4-FFF2-40B4-BE49-F238E27FC236}">
-                <a16:creationId xmlns:a16="http://schemas.microsoft.com/office/drawing/2014/main" id="{A32B1320-CD8C-4B95-8F15-53F57C4FE4E6}"/>
-              </a:ext>
-            </a:extLst>
-          </p:cNvPr>
-          <p:cNvSpPr txBox="1"/>
-          <p:nvPr/>
-        </p:nvSpPr>
-        <p:spPr>
-          <a:xfrm>
-            <a:off x="5175061" y="4725681"/>
-            <a:ext cx="184731" cy="276999"/>
-          </a:xfrm>
-          <a:prstGeom prst="rect">
-            <a:avLst/>
-          </a:prstGeom>
-          <a:noFill/>
-        </p:spPr>
-        <p:txBody>
-          <a:bodyPr wrap="none" rtlCol="0">
-            <a:spAutoFit/>
-          </a:bodyPr>
-          <a:lstStyle/>
-          <a:p>
-            <a:pPr marL="0" marR="0" lvl="0" indent="0" algn="l" defTabSz="914400" rtl="0" eaLnBrk="1" fontAlgn="auto" latinLnBrk="0" hangingPunct="1">
-              <a:lnSpc>
-                <a:spcPct val="100000"/>
-              </a:lnSpc>
-              <a:spcBef>
-                <a:spcPts val="0"/>
-              </a:spcBef>
-              <a:spcAft>
-                <a:spcPts val="0"/>
-              </a:spcAft>
-              <a:buClr>
-                <a:srgbClr val="000000"/>
-              </a:buClr>
-              <a:buSzTx/>
-              <a:buFont typeface="Arial"/>
-              <a:buNone/>
-              <a:tabLst/>
-              <a:defRPr/>
-            </a:pPr>
-            <a:endParaRPr kumimoji="0" lang="es-ES" sz="1200" b="0" i="0" u="none" strike="noStrike" kern="0" cap="none" spc="0" normalizeH="0" baseline="0" noProof="0" dirty="0">
-              <a:ln>
-                <a:noFill/>
-              </a:ln>
-              <a:solidFill>
-                <a:srgbClr val="434343">
-                  <a:lumMod val="60000"/>
-                  <a:lumOff val="40000"/>
-                </a:srgbClr>
-              </a:solidFill>
-              <a:effectLst/>
-              <a:uLnTx/>
-              <a:uFillTx/>
-              <a:latin typeface="Roboto Condensed" panose="020B0604020202020204" charset="0"/>
-              <a:ea typeface="Roboto Condensed" panose="020B0604020202020204" charset="0"/>
-              <a:cs typeface="Arial"/>
-              <a:sym typeface="Arial"/>
-            </a:endParaRPr>
-          </a:p>
-        </p:txBody>
-      </p:sp>
-      <p:sp>
-        <p:nvSpPr>
-          <p:cNvPr id="16" name="Title 1">
-            <a:extLst>
-              <a:ext uri="{FF2B5EF4-FFF2-40B4-BE49-F238E27FC236}">
-                <a16:creationId xmlns:a16="http://schemas.microsoft.com/office/drawing/2014/main" id="{15D2315E-099E-4C11-BAD2-1568AA7F807B}"/>
-              </a:ext>
-            </a:extLst>
-          </p:cNvPr>
-          <p:cNvSpPr txBox="1">
-            <a:spLocks/>
-          </p:cNvSpPr>
-          <p:nvPr/>
-        </p:nvSpPr>
-        <p:spPr>
-          <a:xfrm>
-            <a:off x="390585" y="136940"/>
-            <a:ext cx="7710410" cy="551037"/>
-          </a:xfrm>
-          <a:prstGeom prst="rect">
-            <a:avLst/>
-          </a:prstGeom>
-          <a:noFill/>
-          <a:ln>
-            <a:noFill/>
-          </a:ln>
-        </p:spPr>
-        <p:txBody>
-          <a:bodyPr spcFirstLastPara="1" wrap="square" lIns="91425" tIns="91425" rIns="91425" bIns="91425" anchor="t" anchorCtr="0">
-            <a:noAutofit/>
-          </a:bodyPr>
-          <a:lstStyle>
-            <a:defPPr marR="0" lvl="0" algn="l" rtl="0">
-              <a:lnSpc>
-                <a:spcPct val="100000"/>
-              </a:lnSpc>
-              <a:spcBef>
-                <a:spcPts val="0"/>
-              </a:spcBef>
-              <a:spcAft>
-                <a:spcPts val="0"/>
-              </a:spcAft>
-            </a:defPPr>
-            <a:lvl1pPr marR="0" lvl="0" algn="ctr" rtl="0">
-              <a:lnSpc>
-                <a:spcPct val="100000"/>
-              </a:lnSpc>
-              <a:spcBef>
-                <a:spcPts val="0"/>
-              </a:spcBef>
-              <a:spcAft>
-                <a:spcPts val="0"/>
-              </a:spcAft>
-              <a:buClr>
-                <a:schemeClr val="dk1"/>
-              </a:buClr>
-              <a:buSzPts val="2400"/>
-              <a:buFont typeface="Exo 2"/>
-              <a:buNone/>
-              <a:defRPr sz="2400" b="1" i="0" u="none" strike="noStrike" cap="none">
-                <a:solidFill>
-                  <a:schemeClr val="dk1"/>
-                </a:solidFill>
-                <a:latin typeface="Exo 2"/>
-                <a:ea typeface="Exo 2"/>
-                <a:cs typeface="Exo 2"/>
-                <a:sym typeface="Exo 2"/>
-              </a:defRPr>
-            </a:lvl1pPr>
-            <a:lvl2pPr marR="0" lvl="1" algn="r" rtl="0">
-              <a:lnSpc>
-                <a:spcPct val="100000"/>
-              </a:lnSpc>
-              <a:spcBef>
-                <a:spcPts val="0"/>
-              </a:spcBef>
-              <a:spcAft>
-                <a:spcPts val="0"/>
-              </a:spcAft>
-              <a:buClr>
-                <a:schemeClr val="dk1"/>
-              </a:buClr>
-              <a:buSzPts val="2400"/>
-              <a:buFont typeface="Squada One"/>
-              <a:buNone/>
-              <a:defRPr sz="2400" b="0" i="0" u="none" strike="noStrike" cap="none">
-                <a:solidFill>
-                  <a:schemeClr val="dk1"/>
-                </a:solidFill>
-                <a:latin typeface="Squada One"/>
-                <a:ea typeface="Squada One"/>
-                <a:cs typeface="Squada One"/>
-                <a:sym typeface="Squada One"/>
-              </a:defRPr>
-            </a:lvl2pPr>
-            <a:lvl3pPr marR="0" lvl="2" algn="r" rtl="0">
-              <a:lnSpc>
-                <a:spcPct val="100000"/>
-              </a:lnSpc>
-              <a:spcBef>
-                <a:spcPts val="0"/>
-              </a:spcBef>
-              <a:spcAft>
-                <a:spcPts val="0"/>
-              </a:spcAft>
-              <a:buClr>
-                <a:schemeClr val="dk1"/>
-              </a:buClr>
-              <a:buSzPts val="2400"/>
-              <a:buFont typeface="Squada One"/>
-              <a:buNone/>
-              <a:defRPr sz="2400" b="0" i="0" u="none" strike="noStrike" cap="none">
-                <a:solidFill>
-                  <a:schemeClr val="dk1"/>
-                </a:solidFill>
-                <a:latin typeface="Squada One"/>
-                <a:ea typeface="Squada One"/>
-                <a:cs typeface="Squada One"/>
-                <a:sym typeface="Squada One"/>
-              </a:defRPr>
-            </a:lvl3pPr>
-            <a:lvl4pPr marR="0" lvl="3" algn="r" rtl="0">
-              <a:lnSpc>
-                <a:spcPct val="100000"/>
-              </a:lnSpc>
-              <a:spcBef>
-                <a:spcPts val="0"/>
-              </a:spcBef>
-              <a:spcAft>
-                <a:spcPts val="0"/>
-              </a:spcAft>
-              <a:buClr>
-                <a:schemeClr val="dk1"/>
-              </a:buClr>
-              <a:buSzPts val="2400"/>
-              <a:buFont typeface="Squada One"/>
-              <a:buNone/>
-              <a:defRPr sz="2400" b="0" i="0" u="none" strike="noStrike" cap="none">
-                <a:solidFill>
-                  <a:schemeClr val="dk1"/>
-                </a:solidFill>
-                <a:latin typeface="Squada One"/>
-                <a:ea typeface="Squada One"/>
-                <a:cs typeface="Squada One"/>
-                <a:sym typeface="Squada One"/>
-              </a:defRPr>
-            </a:lvl4pPr>
-            <a:lvl5pPr marR="0" lvl="4" algn="r" rtl="0">
-              <a:lnSpc>
-                <a:spcPct val="100000"/>
-              </a:lnSpc>
-              <a:spcBef>
-                <a:spcPts val="0"/>
-              </a:spcBef>
-              <a:spcAft>
-                <a:spcPts val="0"/>
-              </a:spcAft>
-              <a:buClr>
-                <a:schemeClr val="dk1"/>
-              </a:buClr>
-              <a:buSzPts val="2400"/>
-              <a:buFont typeface="Squada One"/>
-              <a:buNone/>
-              <a:defRPr sz="2400" b="0" i="0" u="none" strike="noStrike" cap="none">
-                <a:solidFill>
-                  <a:schemeClr val="dk1"/>
-                </a:solidFill>
-                <a:latin typeface="Squada One"/>
-                <a:ea typeface="Squada One"/>
-                <a:cs typeface="Squada One"/>
-                <a:sym typeface="Squada One"/>
-              </a:defRPr>
-            </a:lvl5pPr>
-            <a:lvl6pPr marR="0" lvl="5" algn="r" rtl="0">
-              <a:lnSpc>
-                <a:spcPct val="100000"/>
-              </a:lnSpc>
-              <a:spcBef>
-                <a:spcPts val="0"/>
-              </a:spcBef>
-              <a:spcAft>
-                <a:spcPts val="0"/>
-              </a:spcAft>
-              <a:buClr>
-                <a:schemeClr val="dk1"/>
-              </a:buClr>
-              <a:buSzPts val="2400"/>
-              <a:buFont typeface="Squada One"/>
-              <a:buNone/>
-              <a:defRPr sz="2400" b="0" i="0" u="none" strike="noStrike" cap="none">
-                <a:solidFill>
-                  <a:schemeClr val="dk1"/>
-                </a:solidFill>
-                <a:latin typeface="Squada One"/>
-                <a:ea typeface="Squada One"/>
-                <a:cs typeface="Squada One"/>
-                <a:sym typeface="Squada One"/>
-              </a:defRPr>
-            </a:lvl6pPr>
-            <a:lvl7pPr marR="0" lvl="6" algn="r" rtl="0">
-              <a:lnSpc>
-                <a:spcPct val="100000"/>
-              </a:lnSpc>
-              <a:spcBef>
-                <a:spcPts val="0"/>
-              </a:spcBef>
-              <a:spcAft>
-                <a:spcPts val="0"/>
-              </a:spcAft>
-              <a:buClr>
-                <a:schemeClr val="dk1"/>
-              </a:buClr>
-              <a:buSzPts val="2400"/>
-              <a:buFont typeface="Squada One"/>
-              <a:buNone/>
-              <a:defRPr sz="2400" b="0" i="0" u="none" strike="noStrike" cap="none">
-                <a:solidFill>
-                  <a:schemeClr val="dk1"/>
-                </a:solidFill>
-                <a:latin typeface="Squada One"/>
-                <a:ea typeface="Squada One"/>
-                <a:cs typeface="Squada One"/>
-                <a:sym typeface="Squada One"/>
-              </a:defRPr>
-            </a:lvl7pPr>
-            <a:lvl8pPr marR="0" lvl="7" algn="r" rtl="0">
-              <a:lnSpc>
-                <a:spcPct val="100000"/>
-              </a:lnSpc>
-              <a:spcBef>
-                <a:spcPts val="0"/>
-              </a:spcBef>
-              <a:spcAft>
-                <a:spcPts val="0"/>
-              </a:spcAft>
-              <a:buClr>
-                <a:schemeClr val="dk1"/>
-              </a:buClr>
-              <a:buSzPts val="2400"/>
-              <a:buFont typeface="Squada One"/>
-              <a:buNone/>
-              <a:defRPr sz="2400" b="0" i="0" u="none" strike="noStrike" cap="none">
-                <a:solidFill>
-                  <a:schemeClr val="dk1"/>
-                </a:solidFill>
-                <a:latin typeface="Squada One"/>
-                <a:ea typeface="Squada One"/>
-                <a:cs typeface="Squada One"/>
-                <a:sym typeface="Squada One"/>
-              </a:defRPr>
-            </a:lvl8pPr>
-            <a:lvl9pPr marR="0" lvl="8" algn="r" rtl="0">
-              <a:lnSpc>
-                <a:spcPct val="100000"/>
-              </a:lnSpc>
-              <a:spcBef>
-                <a:spcPts val="0"/>
-              </a:spcBef>
-              <a:spcAft>
-                <a:spcPts val="0"/>
-              </a:spcAft>
-              <a:buClr>
-                <a:schemeClr val="dk1"/>
-              </a:buClr>
-              <a:buSzPts val="2400"/>
-              <a:buFont typeface="Squada One"/>
-              <a:buNone/>
-              <a:defRPr sz="2400" b="0" i="0" u="none" strike="noStrike" cap="none">
-                <a:solidFill>
-                  <a:schemeClr val="dk1"/>
-                </a:solidFill>
-                <a:latin typeface="Squada One"/>
-                <a:ea typeface="Squada One"/>
-                <a:cs typeface="Squada One"/>
-                <a:sym typeface="Squada One"/>
-              </a:defRPr>
-            </a:lvl9pPr>
-          </a:lstStyle>
-          <a:p>
-            <a:pPr marL="0" marR="0" lvl="0" indent="0" algn="l" defTabSz="914400" rtl="0" eaLnBrk="1" fontAlgn="auto" latinLnBrk="0" hangingPunct="1">
-              <a:lnSpc>
-                <a:spcPct val="100000"/>
-              </a:lnSpc>
-              <a:spcBef>
-                <a:spcPts val="0"/>
-              </a:spcBef>
-              <a:spcAft>
-                <a:spcPts val="0"/>
-              </a:spcAft>
-              <a:buClr>
-                <a:srgbClr val="434343"/>
-              </a:buClr>
-              <a:buSzPts val="2400"/>
-              <a:buFont typeface="Exo 2"/>
-              <a:buNone/>
-              <a:tabLst/>
-              <a:defRPr/>
-            </a:pPr>
-            <a:r>
-              <a:rPr kumimoji="0" lang="en-US" sz="2400" b="1" i="0" u="none" strike="noStrike" kern="0" cap="none" spc="0" normalizeH="0" baseline="0" noProof="0" dirty="0">
-                <a:ln>
-                  <a:noFill/>
-                </a:ln>
-                <a:solidFill>
-                  <a:srgbClr val="000000"/>
-                </a:solidFill>
-                <a:effectLst/>
-                <a:uLnTx/>
-                <a:uFillTx/>
-                <a:latin typeface="Roboto Condensed" panose="020B0604020202020204" charset="0"/>
-                <a:ea typeface="Roboto Condensed" panose="020B0604020202020204" charset="0"/>
-                <a:sym typeface="Exo 2"/>
-              </a:rPr>
-              <a:t>Conclusion</a:t>
-            </a:r>
-          </a:p>
-        </p:txBody>
-      </p:sp>
-    </p:spTree>
-    <p:extLst>
-      <p:ext uri="{BB962C8B-B14F-4D97-AF65-F5344CB8AC3E}">
-        <p14:creationId xmlns:p14="http://schemas.microsoft.com/office/powerpoint/2010/main" val="397272234"/>
-      </p:ext>
-    </p:extLst>
-  </p:cSld>
-  <p:clrMapOvr>
-    <a:masterClrMapping/>
-  </p:clrMapOvr>
-</p:sld>
-</file>
-
-<file path=ppt/slides/slide18.xml><?xml version="1.0" encoding="utf-8"?>
-<p:sld xmlns:a="http://schemas.openxmlformats.org/drawingml/2006/main" xmlns:r="http://schemas.openxmlformats.org/officeDocument/2006/relationships" xmlns:p="http://schemas.openxmlformats.org/presentationml/2006/main">
-  <p:cSld>
-    <p:spTree>
-      <p:nvGrpSpPr>
         <p:cNvPr id="1" name="Shape 556"/>
         <p:cNvGrpSpPr/>
         <p:nvPr/>
@@ -17328,7 +16725,7 @@
         <p:spPr>
           <a:xfrm>
             <a:off x="390585" y="1097280"/>
-            <a:ext cx="8426346" cy="2800767"/>
+            <a:ext cx="8426346" cy="3293209"/>
           </a:xfrm>
           <a:prstGeom prst="rect">
             <a:avLst/>
@@ -17419,7 +16816,24 @@
                 <a:latin typeface="Roboto Condensed" panose="020B0604020202020204" charset="0"/>
                 <a:ea typeface="Roboto Condensed" panose="020B0604020202020204" charset="0"/>
               </a:rPr>
-              <a:t>We used both the pairwise distance between the fiduciary points, and raw image data as our classification feature, depending on the model and its specific limitations.</a:t>
+              <a:t>Features:</a:t>
+            </a:r>
+          </a:p>
+          <a:p>
+            <a:pPr lvl="1"/>
+            <a:endParaRPr lang="en-US" sz="1600" dirty="0">
+              <a:latin typeface="Roboto Condensed" panose="020B0604020202020204" charset="0"/>
+              <a:ea typeface="Roboto Condensed" panose="020B0604020202020204" charset="0"/>
+            </a:endParaRPr>
+          </a:p>
+          <a:p>
+            <a:pPr lvl="1"/>
+            <a:r>
+              <a:rPr lang="en-US" sz="1600" dirty="0">
+                <a:latin typeface="Roboto Condensed" panose="020B0604020202020204" charset="0"/>
+                <a:ea typeface="Roboto Condensed" panose="020B0604020202020204" charset="0"/>
+              </a:rPr>
+              <a:t>We used both the pairwise distance between the fiduciary points, and raw image data as our classification features, depending on the model and its specific limitations.</a:t>
             </a:r>
           </a:p>
           <a:p>
